--- a/slides/Slide_0.pptx
+++ b/slides/Slide_0.pptx
@@ -7,6 +7,10 @@
   <p:sldIdLst>
     <p:sldId id="256" r:id="rId2"/>
     <p:sldId id="257" r:id="rId3"/>
+    <p:sldId id="258" r:id="rId4"/>
+    <p:sldId id="260" r:id="rId5"/>
+    <p:sldId id="261" r:id="rId6"/>
+    <p:sldId id="262" r:id="rId7"/>
   </p:sldIdLst>
   <p:sldSz cx="9144000" cy="6858000" type="screen4x3"/>
   <p:notesSz cx="6858000" cy="9144000"/>
@@ -105,6 +109,11 @@
       </a:defRPr>
     </a:lvl9pPr>
   </p:defaultTextStyle>
+  <p:extLst>
+    <p:ext uri="{EFAFB233-063F-42B5-8137-9DF3F51BA10A}">
+      <p15:sldGuideLst xmlns:p15="http://schemas.microsoft.com/office/powerpoint/2012/main"/>
+    </p:ext>
+  </p:extLst>
 </p:presentation>
 </file>
 
@@ -3013,10 +3022,48 @@
             <p:ph type="subTitle" idx="1"/>
           </p:nvPr>
         </p:nvSpPr>
-        <p:spPr/>
-        <p:txBody>
-          <a:bodyPr/>
-          <a:lstStyle/>
+        <p:spPr>
+          <a:xfrm>
+            <a:off x="1143000" y="3602037"/>
+            <a:ext cx="6858000" cy="940275"/>
+          </a:xfrm>
+        </p:spPr>
+        <p:txBody>
+          <a:bodyPr>
+            <a:normAutofit/>
+          </a:bodyPr>
+          <a:lstStyle/>
+          <a:p>
+            <a:r>
+              <a:rPr lang="tr-TR" dirty="0" err="1"/>
+              <a:t>https</a:t>
+            </a:r>
+            <a:r>
+              <a:rPr lang="tr-TR" dirty="0"/>
+              <a:t>://</a:t>
+            </a:r>
+            <a:r>
+              <a:rPr lang="tr-TR" dirty="0" err="1"/>
+              <a:t>github.com</a:t>
+            </a:r>
+            <a:r>
+              <a:rPr lang="tr-TR" dirty="0"/>
+              <a:t>/</a:t>
+            </a:r>
+            <a:r>
+              <a:rPr lang="tr-TR" dirty="0" err="1"/>
+              <a:t>ihpar</a:t>
+            </a:r>
+            <a:r>
+              <a:rPr lang="tr-TR" dirty="0"/>
+              <a:t>/</a:t>
+            </a:r>
+            <a:r>
+              <a:rPr lang="tr-TR" dirty="0" err="1"/>
+              <a:t>ssi</a:t>
+            </a:r>
+            <a:endParaRPr lang="tr-TR" dirty="0"/>
+          </a:p>
           <a:p>
             <a:r>
               <a:rPr lang="tr-TR" dirty="0" err="1"/>
@@ -3102,10 +3149,77 @@
         </p:nvSpPr>
         <p:spPr/>
         <p:txBody>
-          <a:bodyPr/>
-          <a:lstStyle/>
-          <a:p>
-            <a:endParaRPr lang="tr-TR"/>
+          <a:bodyPr>
+            <a:normAutofit/>
+          </a:bodyPr>
+          <a:lstStyle/>
+          <a:p>
+            <a:r>
+              <a:rPr lang="tr-TR" dirty="0"/>
+              <a:t>Ses, canlıların işitme organları tarafından algılanabilen periyodik basınç değişimleridir. Bir maddedeki moleküllerin titreşmesi sonucunda oluşur. </a:t>
+            </a:r>
+          </a:p>
+          <a:p>
+            <a:r>
+              <a:rPr lang="tr-TR" dirty="0"/>
+              <a:t>Ses bir enerji türüdür. Ses titreşimle oluşur, titreşimi enerjiye dönüştürür. Sesin kuvvetine gürlük denir ve "Desibel (dB)" ile ölçülür. </a:t>
+            </a:r>
+          </a:p>
+          <a:p>
+            <a:r>
+              <a:rPr lang="tr-TR" dirty="0"/>
+              <a:t>Örneğin kalkış yapan füze 120 desibel ses üretir. Yüksek sesli müzik 90 desibel üretir. Normal insanın konuşması 50-60 desibel gücüne eşittir. </a:t>
+            </a:r>
+          </a:p>
+          <a:p>
+            <a:endParaRPr lang="tr-TR" dirty="0"/>
+          </a:p>
+        </p:txBody>
+      </p:sp>
+      <p:sp>
+        <p:nvSpPr>
+          <p:cNvPr id="4" name="TextBox 3">
+            <a:extLst>
+              <a:ext uri="{FF2B5EF4-FFF2-40B4-BE49-F238E27FC236}">
+                <a16:creationId xmlns:a16="http://schemas.microsoft.com/office/drawing/2014/main" id="{A3D08B40-11D3-4811-1762-7AB3A7826BE5}"/>
+              </a:ext>
+            </a:extLst>
+          </p:cNvPr>
+          <p:cNvSpPr txBox="1"/>
+          <p:nvPr/>
+        </p:nvSpPr>
+        <p:spPr>
+          <a:xfrm>
+            <a:off x="861848" y="6176963"/>
+            <a:ext cx="3326745" cy="369332"/>
+          </a:xfrm>
+          <a:prstGeom prst="rect">
+            <a:avLst/>
+          </a:prstGeom>
+          <a:noFill/>
+        </p:spPr>
+        <p:txBody>
+          <a:bodyPr wrap="none" rtlCol="0">
+            <a:spAutoFit/>
+          </a:bodyPr>
+          <a:lstStyle/>
+          <a:p>
+            <a:r>
+              <a:rPr lang="tr-TR" dirty="0" err="1"/>
+              <a:t>https</a:t>
+            </a:r>
+            <a:r>
+              <a:rPr lang="tr-TR" dirty="0"/>
+              <a:t>://</a:t>
+            </a:r>
+            <a:r>
+              <a:rPr lang="tr-TR" dirty="0" err="1"/>
+              <a:t>tr.wikipedia.org</a:t>
+            </a:r>
+            <a:r>
+              <a:rPr lang="tr-TR" dirty="0"/>
+              <a:t>/wiki/Ses</a:t>
+            </a:r>
           </a:p>
         </p:txBody>
       </p:sp>
@@ -3113,6 +3227,1053 @@
     <p:extLst>
       <p:ext uri="{BB962C8B-B14F-4D97-AF65-F5344CB8AC3E}">
         <p14:creationId xmlns:p14="http://schemas.microsoft.com/office/powerpoint/2010/main" val="2688945233"/>
+      </p:ext>
+    </p:extLst>
+  </p:cSld>
+  <p:clrMapOvr>
+    <a:masterClrMapping/>
+  </p:clrMapOvr>
+</p:sld>
+</file>
+
+<file path=ppt/slides/slide3.xml><?xml version="1.0" encoding="utf-8"?>
+<p:sld xmlns:a="http://schemas.openxmlformats.org/drawingml/2006/main" xmlns:r="http://schemas.openxmlformats.org/officeDocument/2006/relationships" xmlns:p="http://schemas.openxmlformats.org/presentationml/2006/main">
+  <p:cSld>
+    <p:spTree>
+      <p:nvGrpSpPr>
+        <p:cNvPr id="1" name="">
+          <a:extLst>
+            <a:ext uri="{FF2B5EF4-FFF2-40B4-BE49-F238E27FC236}">
+              <a16:creationId xmlns:a16="http://schemas.microsoft.com/office/drawing/2014/main" id="{FB7219A7-7724-8D70-5BB7-D2BBB688BD32}"/>
+            </a:ext>
+          </a:extLst>
+        </p:cNvPr>
+        <p:cNvGrpSpPr/>
+        <p:nvPr/>
+      </p:nvGrpSpPr>
+      <p:grpSpPr>
+        <a:xfrm>
+          <a:off x="0" y="0"/>
+          <a:ext cx="0" cy="0"/>
+          <a:chOff x="0" y="0"/>
+          <a:chExt cx="0" cy="0"/>
+        </a:xfrm>
+      </p:grpSpPr>
+      <p:sp>
+        <p:nvSpPr>
+          <p:cNvPr id="2" name="Title 1">
+            <a:extLst>
+              <a:ext uri="{FF2B5EF4-FFF2-40B4-BE49-F238E27FC236}">
+                <a16:creationId xmlns:a16="http://schemas.microsoft.com/office/drawing/2014/main" id="{EAA792B6-29C7-EE07-11DF-FEFB8642E1D2}"/>
+              </a:ext>
+            </a:extLst>
+          </p:cNvPr>
+          <p:cNvSpPr>
+            <a:spLocks noGrp="1"/>
+          </p:cNvSpPr>
+          <p:nvPr>
+            <p:ph type="title"/>
+          </p:nvPr>
+        </p:nvSpPr>
+        <p:spPr/>
+        <p:txBody>
+          <a:bodyPr/>
+          <a:lstStyle/>
+          <a:p>
+            <a:r>
+              <a:rPr lang="tr-TR"/>
+              <a:t>Ses</a:t>
+            </a:r>
+          </a:p>
+        </p:txBody>
+      </p:sp>
+      <p:sp>
+        <p:nvSpPr>
+          <p:cNvPr id="3" name="Content Placeholder 2">
+            <a:extLst>
+              <a:ext uri="{FF2B5EF4-FFF2-40B4-BE49-F238E27FC236}">
+                <a16:creationId xmlns:a16="http://schemas.microsoft.com/office/drawing/2014/main" id="{E6260A51-17CC-1283-B782-195027DB8EB5}"/>
+              </a:ext>
+            </a:extLst>
+          </p:cNvPr>
+          <p:cNvSpPr>
+            <a:spLocks noGrp="1"/>
+          </p:cNvSpPr>
+          <p:nvPr>
+            <p:ph idx="1"/>
+          </p:nvPr>
+        </p:nvSpPr>
+        <p:spPr/>
+        <p:txBody>
+          <a:bodyPr>
+            <a:normAutofit/>
+          </a:bodyPr>
+          <a:lstStyle/>
+          <a:p>
+            <a:r>
+              <a:rPr lang="tr-TR" dirty="0"/>
+              <a:t>Sesin yayılması için maddesel ortama ihtiyaç vardır. Yani boşlukta ses yayılmaz. Ses dalgalar halinde yayılır. </a:t>
+            </a:r>
+          </a:p>
+          <a:p>
+            <a:r>
+              <a:rPr lang="tr-TR" dirty="0"/>
+              <a:t>Sesin yayılma hızı sırasıyla katıdan sıvıya, sıvıdan gaza azalır. </a:t>
+            </a:r>
+          </a:p>
+          <a:p>
+            <a:r>
+              <a:rPr lang="tr-TR" dirty="0"/>
+              <a:t>Ses dalgaları katılarda yaklaşık olarak 5000 m/s hızla yayılır. Suda 1453 m/s hızla yol alır. Havada 340 m/s yol alır.</a:t>
+            </a:r>
+          </a:p>
+        </p:txBody>
+      </p:sp>
+      <p:sp>
+        <p:nvSpPr>
+          <p:cNvPr id="4" name="TextBox 3">
+            <a:extLst>
+              <a:ext uri="{FF2B5EF4-FFF2-40B4-BE49-F238E27FC236}">
+                <a16:creationId xmlns:a16="http://schemas.microsoft.com/office/drawing/2014/main" id="{33015F43-1839-0110-3AD9-5C071279B0A3}"/>
+              </a:ext>
+            </a:extLst>
+          </p:cNvPr>
+          <p:cNvSpPr txBox="1"/>
+          <p:nvPr/>
+        </p:nvSpPr>
+        <p:spPr>
+          <a:xfrm>
+            <a:off x="861848" y="6176963"/>
+            <a:ext cx="3326745" cy="369332"/>
+          </a:xfrm>
+          <a:prstGeom prst="rect">
+            <a:avLst/>
+          </a:prstGeom>
+          <a:noFill/>
+        </p:spPr>
+        <p:txBody>
+          <a:bodyPr wrap="none" rtlCol="0">
+            <a:spAutoFit/>
+          </a:bodyPr>
+          <a:lstStyle/>
+          <a:p>
+            <a:r>
+              <a:rPr lang="tr-TR" dirty="0" err="1"/>
+              <a:t>https</a:t>
+            </a:r>
+            <a:r>
+              <a:rPr lang="tr-TR" dirty="0"/>
+              <a:t>://</a:t>
+            </a:r>
+            <a:r>
+              <a:rPr lang="tr-TR" dirty="0" err="1"/>
+              <a:t>tr.wikipedia.org</a:t>
+            </a:r>
+            <a:r>
+              <a:rPr lang="tr-TR" dirty="0"/>
+              <a:t>/wiki/Ses</a:t>
+            </a:r>
+          </a:p>
+        </p:txBody>
+      </p:sp>
+    </p:spTree>
+    <p:extLst>
+      <p:ext uri="{BB962C8B-B14F-4D97-AF65-F5344CB8AC3E}">
+        <p14:creationId xmlns:p14="http://schemas.microsoft.com/office/powerpoint/2010/main" val="1522725602"/>
+      </p:ext>
+    </p:extLst>
+  </p:cSld>
+  <p:clrMapOvr>
+    <a:masterClrMapping/>
+  </p:clrMapOvr>
+</p:sld>
+</file>
+
+<file path=ppt/slides/slide4.xml><?xml version="1.0" encoding="utf-8"?>
+<p:sld xmlns:a="http://schemas.openxmlformats.org/drawingml/2006/main" xmlns:r="http://schemas.openxmlformats.org/officeDocument/2006/relationships" xmlns:p="http://schemas.openxmlformats.org/presentationml/2006/main">
+  <p:cSld>
+    <p:spTree>
+      <p:nvGrpSpPr>
+        <p:cNvPr id="1" name="">
+          <a:extLst>
+            <a:ext uri="{FF2B5EF4-FFF2-40B4-BE49-F238E27FC236}">
+              <a16:creationId xmlns:a16="http://schemas.microsoft.com/office/drawing/2014/main" id="{68DE8B21-E352-1D8E-2045-66576E6A2211}"/>
+            </a:ext>
+          </a:extLst>
+        </p:cNvPr>
+        <p:cNvGrpSpPr/>
+        <p:nvPr/>
+      </p:nvGrpSpPr>
+      <p:grpSpPr>
+        <a:xfrm>
+          <a:off x="0" y="0"/>
+          <a:ext cx="0" cy="0"/>
+          <a:chOff x="0" y="0"/>
+          <a:chExt cx="0" cy="0"/>
+        </a:xfrm>
+      </p:grpSpPr>
+      <p:sp>
+        <p:nvSpPr>
+          <p:cNvPr id="2" name="Title 1">
+            <a:extLst>
+              <a:ext uri="{FF2B5EF4-FFF2-40B4-BE49-F238E27FC236}">
+                <a16:creationId xmlns:a16="http://schemas.microsoft.com/office/drawing/2014/main" id="{55BB914A-70C3-4CBE-DDF2-6BC24E7DC3D2}"/>
+              </a:ext>
+            </a:extLst>
+          </p:cNvPr>
+          <p:cNvSpPr>
+            <a:spLocks noGrp="1"/>
+          </p:cNvSpPr>
+          <p:nvPr>
+            <p:ph type="title"/>
+          </p:nvPr>
+        </p:nvSpPr>
+        <p:spPr/>
+        <p:txBody>
+          <a:bodyPr/>
+          <a:lstStyle/>
+          <a:p>
+            <a:r>
+              <a:rPr lang="tr-TR" dirty="0"/>
+              <a:t>dB</a:t>
+            </a:r>
+          </a:p>
+        </p:txBody>
+      </p:sp>
+      <p:pic>
+        <p:nvPicPr>
+          <p:cNvPr id="7" name="Content Placeholder 6" descr="Diagram of the inside of the ear&#10;&#10;AI-generated content may be incorrect.">
+            <a:extLst>
+              <a:ext uri="{FF2B5EF4-FFF2-40B4-BE49-F238E27FC236}">
+                <a16:creationId xmlns:a16="http://schemas.microsoft.com/office/drawing/2014/main" id="{F727552B-AC7B-74FD-B848-7D825063DD2E}"/>
+              </a:ext>
+            </a:extLst>
+          </p:cNvPr>
+          <p:cNvPicPr>
+            <a:picLocks noGrp="1" noChangeAspect="1"/>
+          </p:cNvPicPr>
+          <p:nvPr>
+            <p:ph idx="1"/>
+          </p:nvPr>
+        </p:nvPicPr>
+        <p:blipFill>
+          <a:blip r:embed="rId2"/>
+          <a:srcRect l="2441" t="5657" r="4395" b="4702"/>
+          <a:stretch/>
+        </p:blipFill>
+        <p:spPr>
+          <a:xfrm>
+            <a:off x="628649" y="1690689"/>
+            <a:ext cx="6168603" cy="4385604"/>
+          </a:xfrm>
+        </p:spPr>
+      </p:pic>
+      <p:sp>
+        <p:nvSpPr>
+          <p:cNvPr id="5" name="TextBox 4">
+            <a:extLst>
+              <a:ext uri="{FF2B5EF4-FFF2-40B4-BE49-F238E27FC236}">
+                <a16:creationId xmlns:a16="http://schemas.microsoft.com/office/drawing/2014/main" id="{1BAB8F09-A121-91ED-7752-91C6854058D7}"/>
+              </a:ext>
+            </a:extLst>
+          </p:cNvPr>
+          <p:cNvSpPr txBox="1"/>
+          <p:nvPr/>
+        </p:nvSpPr>
+        <p:spPr>
+          <a:xfrm>
+            <a:off x="861848" y="6176963"/>
+            <a:ext cx="5402318" cy="369332"/>
+          </a:xfrm>
+          <a:prstGeom prst="rect">
+            <a:avLst/>
+          </a:prstGeom>
+          <a:noFill/>
+        </p:spPr>
+        <p:txBody>
+          <a:bodyPr wrap="square" rtlCol="0">
+            <a:spAutoFit/>
+          </a:bodyPr>
+          <a:lstStyle/>
+          <a:p>
+            <a:r>
+              <a:rPr lang="tr-TR" dirty="0" err="1"/>
+              <a:t>https</a:t>
+            </a:r>
+            <a:r>
+              <a:rPr lang="tr-TR" dirty="0"/>
+              <a:t>://</a:t>
+            </a:r>
+            <a:r>
+              <a:rPr lang="tr-TR" dirty="0" err="1"/>
+              <a:t>www.nidcd.nih.gov</a:t>
+            </a:r>
+            <a:r>
+              <a:rPr lang="tr-TR" dirty="0"/>
+              <a:t>/</a:t>
+            </a:r>
+            <a:r>
+              <a:rPr lang="tr-TR" dirty="0" err="1"/>
+              <a:t>health</a:t>
+            </a:r>
+            <a:r>
+              <a:rPr lang="tr-TR" dirty="0"/>
+              <a:t>/</a:t>
+            </a:r>
+            <a:r>
+              <a:rPr lang="tr-TR" dirty="0" err="1"/>
+              <a:t>otosclerosis</a:t>
+            </a:r>
+            <a:endParaRPr lang="tr-TR" dirty="0"/>
+          </a:p>
+        </p:txBody>
+      </p:sp>
+    </p:spTree>
+    <p:extLst>
+      <p:ext uri="{BB962C8B-B14F-4D97-AF65-F5344CB8AC3E}">
+        <p14:creationId xmlns:p14="http://schemas.microsoft.com/office/powerpoint/2010/main" val="2524399699"/>
+      </p:ext>
+    </p:extLst>
+  </p:cSld>
+  <p:clrMapOvr>
+    <a:masterClrMapping/>
+  </p:clrMapOvr>
+</p:sld>
+</file>
+
+<file path=ppt/slides/slide5.xml><?xml version="1.0" encoding="utf-8"?>
+<p:sld xmlns:a="http://schemas.openxmlformats.org/drawingml/2006/main" xmlns:r="http://schemas.openxmlformats.org/officeDocument/2006/relationships" xmlns:p="http://schemas.openxmlformats.org/presentationml/2006/main">
+  <p:cSld>
+    <p:spTree>
+      <p:nvGrpSpPr>
+        <p:cNvPr id="1" name="">
+          <a:extLst>
+            <a:ext uri="{FF2B5EF4-FFF2-40B4-BE49-F238E27FC236}">
+              <a16:creationId xmlns:a16="http://schemas.microsoft.com/office/drawing/2014/main" id="{5C4C176C-FD12-12E8-2A9D-82549DEC2517}"/>
+            </a:ext>
+          </a:extLst>
+        </p:cNvPr>
+        <p:cNvGrpSpPr/>
+        <p:nvPr/>
+      </p:nvGrpSpPr>
+      <p:grpSpPr>
+        <a:xfrm>
+          <a:off x="0" y="0"/>
+          <a:ext cx="0" cy="0"/>
+          <a:chOff x="0" y="0"/>
+          <a:chExt cx="0" cy="0"/>
+        </a:xfrm>
+      </p:grpSpPr>
+      <p:sp>
+        <p:nvSpPr>
+          <p:cNvPr id="2" name="Title 1">
+            <a:extLst>
+              <a:ext uri="{FF2B5EF4-FFF2-40B4-BE49-F238E27FC236}">
+                <a16:creationId xmlns:a16="http://schemas.microsoft.com/office/drawing/2014/main" id="{5F86D2E6-C755-DE6E-3897-7CAD286B34C5}"/>
+              </a:ext>
+            </a:extLst>
+          </p:cNvPr>
+          <p:cNvSpPr>
+            <a:spLocks noGrp="1"/>
+          </p:cNvSpPr>
+          <p:nvPr>
+            <p:ph type="title"/>
+          </p:nvPr>
+        </p:nvSpPr>
+        <p:spPr/>
+        <p:txBody>
+          <a:bodyPr/>
+          <a:lstStyle/>
+          <a:p>
+            <a:r>
+              <a:rPr lang="tr-TR" dirty="0"/>
+              <a:t>dB</a:t>
+            </a:r>
+          </a:p>
+        </p:txBody>
+      </p:sp>
+      <mc:AlternateContent xmlns:mc="http://schemas.openxmlformats.org/markup-compatibility/2006">
+        <mc:Choice xmlns:a14="http://schemas.microsoft.com/office/drawing/2010/main" Requires="a14">
+          <p:sp>
+            <p:nvSpPr>
+              <p:cNvPr id="3" name="Content Placeholder 2">
+                <a:extLst>
+                  <a:ext uri="{FF2B5EF4-FFF2-40B4-BE49-F238E27FC236}">
+                    <a16:creationId xmlns:a16="http://schemas.microsoft.com/office/drawing/2014/main" id="{EF3563B3-20E0-BEBE-9320-AF1685CDFFEB}"/>
+                  </a:ext>
+                </a:extLst>
+              </p:cNvPr>
+              <p:cNvSpPr>
+                <a:spLocks noGrp="1"/>
+              </p:cNvSpPr>
+              <p:nvPr>
+                <p:ph idx="1"/>
+              </p:nvPr>
+            </p:nvSpPr>
+            <p:spPr/>
+            <p:txBody>
+              <a:bodyPr>
+                <a:normAutofit/>
+              </a:bodyPr>
+              <a:lstStyle/>
+              <a:p>
+                <a:r>
+                  <a:rPr lang="tr-TR" dirty="0"/>
+                  <a:t>Kulak mekanizması doğrusal olmaması sayesinde hem çok küçük hem de çok büyük basınç dalgalarına yanıt verebilir. </a:t>
+                </a:r>
+              </a:p>
+              <a:p>
+                <a:r>
+                  <a:rPr lang="tr-TR" dirty="0"/>
+                  <a:t>Pascal (</a:t>
+                </a:r>
+                <a:r>
+                  <a:rPr lang="tr-TR" dirty="0" err="1"/>
+                  <a:t>Pa</a:t>
+                </a:r>
+                <a:r>
+                  <a:rPr lang="tr-TR" dirty="0"/>
+                  <a:t>) = </a:t>
+                </a:r>
+                <a14:m>
+                  <m:oMath xmlns:m="http://schemas.openxmlformats.org/officeDocument/2006/math">
+                    <m:f>
+                      <m:fPr>
+                        <m:ctrlPr>
+                          <a:rPr lang="tr-TR" i="1" smtClean="0">
+                            <a:latin typeface="Cambria Math" panose="02040503050406030204" pitchFamily="18" charset="0"/>
+                          </a:rPr>
+                        </m:ctrlPr>
+                      </m:fPr>
+                      <m:num>
+                        <m:r>
+                          <a:rPr lang="tr-TR" b="0" i="1" smtClean="0">
+                            <a:latin typeface="Cambria Math" panose="02040503050406030204" pitchFamily="18" charset="0"/>
+                          </a:rPr>
+                          <m:t>1</m:t>
+                        </m:r>
+                        <m:r>
+                          <a:rPr lang="tr-TR" b="0" i="1" smtClean="0">
+                            <a:latin typeface="Cambria Math" panose="02040503050406030204" pitchFamily="18" charset="0"/>
+                          </a:rPr>
+                          <m:t>𝑁</m:t>
+                        </m:r>
+                      </m:num>
+                      <m:den>
+                        <m:sSup>
+                          <m:sSupPr>
+                            <m:ctrlPr>
+                              <a:rPr lang="tr-TR" i="1" smtClean="0">
+                                <a:latin typeface="Cambria Math" panose="02040503050406030204" pitchFamily="18" charset="0"/>
+                              </a:rPr>
+                            </m:ctrlPr>
+                          </m:sSupPr>
+                          <m:e>
+                            <m:r>
+                              <a:rPr lang="tr-TR" b="0" i="1" smtClean="0">
+                                <a:latin typeface="Cambria Math" panose="02040503050406030204" pitchFamily="18" charset="0"/>
+                              </a:rPr>
+                              <m:t>𝑚</m:t>
+                            </m:r>
+                          </m:e>
+                          <m:sup>
+                            <m:r>
+                              <a:rPr lang="tr-TR" b="0" i="1" smtClean="0">
+                                <a:latin typeface="Cambria Math" panose="02040503050406030204" pitchFamily="18" charset="0"/>
+                              </a:rPr>
+                              <m:t>2</m:t>
+                            </m:r>
+                          </m:sup>
+                        </m:sSup>
+                      </m:den>
+                    </m:f>
+                    <m:r>
+                      <a:rPr lang="tr-TR" b="0" i="1" smtClean="0">
+                        <a:latin typeface="Cambria Math" panose="02040503050406030204" pitchFamily="18" charset="0"/>
+                      </a:rPr>
+                      <m:t>= </m:t>
+                    </m:r>
+                    <m:f>
+                      <m:fPr>
+                        <m:ctrlPr>
+                          <a:rPr lang="tr-TR" b="0" i="1" smtClean="0">
+                            <a:latin typeface="Cambria Math" panose="02040503050406030204" pitchFamily="18" charset="0"/>
+                          </a:rPr>
+                        </m:ctrlPr>
+                      </m:fPr>
+                      <m:num>
+                        <m:r>
+                          <a:rPr lang="tr-TR" b="0" i="1" smtClean="0">
+                            <a:latin typeface="Cambria Math" panose="02040503050406030204" pitchFamily="18" charset="0"/>
+                          </a:rPr>
+                          <m:t>1</m:t>
+                        </m:r>
+                        <m:r>
+                          <a:rPr lang="tr-TR" b="0" i="1" smtClean="0">
+                            <a:latin typeface="Cambria Math" panose="02040503050406030204" pitchFamily="18" charset="0"/>
+                          </a:rPr>
+                          <m:t>𝑘𝑔</m:t>
+                        </m:r>
+                      </m:num>
+                      <m:den>
+                        <m:r>
+                          <a:rPr lang="tr-TR" b="0" i="1" smtClean="0">
+                            <a:latin typeface="Cambria Math" panose="02040503050406030204" pitchFamily="18" charset="0"/>
+                          </a:rPr>
+                          <m:t>𝑚</m:t>
+                        </m:r>
+                        <m:r>
+                          <a:rPr lang="tr-TR" b="0" i="1" smtClean="0">
+                            <a:latin typeface="Cambria Math" panose="02040503050406030204" pitchFamily="18" charset="0"/>
+                          </a:rPr>
+                          <m:t> </m:t>
+                        </m:r>
+                        <m:sSup>
+                          <m:sSupPr>
+                            <m:ctrlPr>
+                              <a:rPr lang="tr-TR" b="0" i="1" smtClean="0">
+                                <a:latin typeface="Cambria Math" panose="02040503050406030204" pitchFamily="18" charset="0"/>
+                              </a:rPr>
+                            </m:ctrlPr>
+                          </m:sSupPr>
+                          <m:e>
+                            <m:r>
+                              <a:rPr lang="tr-TR" b="0" i="1" smtClean="0">
+                                <a:latin typeface="Cambria Math" panose="02040503050406030204" pitchFamily="18" charset="0"/>
+                              </a:rPr>
+                              <m:t>𝑠</m:t>
+                            </m:r>
+                          </m:e>
+                          <m:sup>
+                            <m:r>
+                              <a:rPr lang="tr-TR" b="0" i="1" smtClean="0">
+                                <a:latin typeface="Cambria Math" panose="02040503050406030204" pitchFamily="18" charset="0"/>
+                              </a:rPr>
+                              <m:t>2</m:t>
+                            </m:r>
+                          </m:sup>
+                        </m:sSup>
+                      </m:den>
+                    </m:f>
+                  </m:oMath>
+                </a14:m>
+                <a:r>
+                  <a:rPr lang="tr-TR" dirty="0"/>
+                  <a:t> = 0.00001 bar = </a:t>
+                </a:r>
+                <a:r>
+                  <a:rPr lang="en-US" dirty="0"/>
+                  <a:t>0.000145 psi</a:t>
+                </a:r>
+                <a:endParaRPr lang="tr-TR" dirty="0"/>
+              </a:p>
+              <a:p>
+                <a:r>
+                  <a:rPr lang="tr-TR" dirty="0"/>
+                  <a:t>Kulaklarımız 20 </a:t>
+                </a:r>
+                <a:r>
+                  <a:rPr lang="en-US" dirty="0"/>
+                  <a:t>µPa (</a:t>
+                </a:r>
+                <a:r>
+                  <a:rPr lang="en-US" dirty="0" err="1"/>
+                  <a:t>Mikropascal</a:t>
+                </a:r>
+                <a:r>
+                  <a:rPr lang="en-US" dirty="0"/>
+                  <a:t>: 20e-6 Pa) </a:t>
+                </a:r>
+                <a:r>
+                  <a:rPr lang="en-US" dirty="0" err="1"/>
+                  <a:t>basıncındaki</a:t>
+                </a:r>
+                <a:r>
+                  <a:rPr lang="en-US" dirty="0"/>
+                  <a:t> </a:t>
+                </a:r>
+                <a:r>
+                  <a:rPr lang="en-US" dirty="0" err="1"/>
+                  <a:t>seslere</a:t>
+                </a:r>
+                <a:r>
+                  <a:rPr lang="en-US" dirty="0"/>
+                  <a:t> </a:t>
+                </a:r>
+                <a:r>
+                  <a:rPr lang="en-US" dirty="0" err="1"/>
+                  <a:t>duyarlıdır</a:t>
+                </a:r>
+                <a:r>
+                  <a:rPr lang="en-US" dirty="0"/>
+                  <a:t>. Kulak </a:t>
+                </a:r>
+                <a:r>
+                  <a:rPr lang="en-US" dirty="0" err="1"/>
+                  <a:t>acıtacak</a:t>
+                </a:r>
+                <a:r>
+                  <a:rPr lang="en-US" dirty="0"/>
+                  <a:t> </a:t>
+                </a:r>
+                <a:r>
+                  <a:rPr lang="en-US" dirty="0" err="1"/>
+                  <a:t>şiddetteki</a:t>
+                </a:r>
+                <a:r>
+                  <a:rPr lang="en-US" dirty="0"/>
+                  <a:t> </a:t>
+                </a:r>
+                <a:r>
+                  <a:rPr lang="en-US" dirty="0" err="1"/>
+                  <a:t>sesler</a:t>
+                </a:r>
+                <a:r>
+                  <a:rPr lang="en-US" dirty="0"/>
+                  <a:t> </a:t>
+                </a:r>
+                <a:r>
+                  <a:rPr lang="en-US" dirty="0" err="1"/>
+                  <a:t>bunun</a:t>
+                </a:r>
+                <a:r>
+                  <a:rPr lang="en-US" dirty="0"/>
+                  <a:t> 1 </a:t>
+                </a:r>
+                <a:r>
+                  <a:rPr lang="en-US" dirty="0" err="1"/>
+                  <a:t>trilyon</a:t>
+                </a:r>
+                <a:r>
+                  <a:rPr lang="en-US" dirty="0"/>
+                  <a:t> </a:t>
+                </a:r>
+                <a:r>
+                  <a:rPr lang="en-US" dirty="0" err="1"/>
+                  <a:t>katı</a:t>
+                </a:r>
+                <a:r>
+                  <a:rPr lang="en-US" dirty="0"/>
+                  <a:t> </a:t>
+                </a:r>
+                <a:r>
+                  <a:rPr lang="en-US" dirty="0" err="1"/>
+                  <a:t>basınca</a:t>
+                </a:r>
+                <a:r>
+                  <a:rPr lang="en-US" dirty="0"/>
+                  <a:t> </a:t>
+                </a:r>
+                <a:r>
+                  <a:rPr lang="en-US" dirty="0" err="1"/>
+                  <a:t>sahiptir</a:t>
+                </a:r>
+                <a:r>
+                  <a:rPr lang="en-US" dirty="0"/>
+                  <a:t> (20e6 Pa).</a:t>
+                </a:r>
+                <a:endParaRPr lang="tr-TR" dirty="0"/>
+              </a:p>
+            </p:txBody>
+          </p:sp>
+        </mc:Choice>
+        <mc:Fallback>
+          <p:sp>
+            <p:nvSpPr>
+              <p:cNvPr id="3" name="Content Placeholder 2">
+                <a:extLst>
+                  <a:ext uri="{FF2B5EF4-FFF2-40B4-BE49-F238E27FC236}">
+                    <a16:creationId xmlns:a16="http://schemas.microsoft.com/office/drawing/2014/main" id="{EF3563B3-20E0-BEBE-9320-AF1685CDFFEB}"/>
+                  </a:ext>
+                </a:extLst>
+              </p:cNvPr>
+              <p:cNvSpPr>
+                <a:spLocks noGrp="1" noRot="1" noChangeAspect="1" noMove="1" noResize="1" noEditPoints="1" noAdjustHandles="1" noChangeArrowheads="1" noChangeShapeType="1" noTextEdit="1"/>
+              </p:cNvSpPr>
+              <p:nvPr>
+                <p:ph idx="1"/>
+              </p:nvPr>
+            </p:nvSpPr>
+            <p:spPr>
+              <a:blipFill>
+                <a:blip r:embed="rId2"/>
+                <a:stretch>
+                  <a:fillRect l="-1447" t="-2326" r="-2251"/>
+                </a:stretch>
+              </a:blipFill>
+            </p:spPr>
+            <p:txBody>
+              <a:bodyPr/>
+              <a:lstStyle/>
+              <a:p>
+                <a:r>
+                  <a:rPr lang="tr-TR">
+                    <a:noFill/>
+                  </a:rPr>
+                  <a:t> </a:t>
+                </a:r>
+              </a:p>
+            </p:txBody>
+          </p:sp>
+        </mc:Fallback>
+      </mc:AlternateContent>
+      <p:sp>
+        <p:nvSpPr>
+          <p:cNvPr id="5" name="TextBox 4">
+            <a:extLst>
+              <a:ext uri="{FF2B5EF4-FFF2-40B4-BE49-F238E27FC236}">
+                <a16:creationId xmlns:a16="http://schemas.microsoft.com/office/drawing/2014/main" id="{77D46E6F-47D1-923C-B322-8ED6D55294AF}"/>
+              </a:ext>
+            </a:extLst>
+          </p:cNvPr>
+          <p:cNvSpPr txBox="1"/>
+          <p:nvPr/>
+        </p:nvSpPr>
+        <p:spPr>
+          <a:xfrm>
+            <a:off x="861848" y="6176963"/>
+            <a:ext cx="5402318" cy="369332"/>
+          </a:xfrm>
+          <a:prstGeom prst="rect">
+            <a:avLst/>
+          </a:prstGeom>
+          <a:noFill/>
+        </p:spPr>
+        <p:txBody>
+          <a:bodyPr wrap="square" rtlCol="0">
+            <a:spAutoFit/>
+          </a:bodyPr>
+          <a:lstStyle/>
+          <a:p>
+            <a:r>
+              <a:rPr lang="tr-TR" dirty="0" err="1"/>
+              <a:t>https</a:t>
+            </a:r>
+            <a:r>
+              <a:rPr lang="tr-TR" dirty="0"/>
+              <a:t>://</a:t>
+            </a:r>
+            <a:r>
+              <a:rPr lang="tr-TR" dirty="0" err="1"/>
+              <a:t>tr.wikipedia.org</a:t>
+            </a:r>
+            <a:r>
+              <a:rPr lang="tr-TR" dirty="0"/>
+              <a:t>/wiki/Pascal_(birim)</a:t>
+            </a:r>
+          </a:p>
+        </p:txBody>
+      </p:sp>
+    </p:spTree>
+    <p:extLst>
+      <p:ext uri="{BB962C8B-B14F-4D97-AF65-F5344CB8AC3E}">
+        <p14:creationId xmlns:p14="http://schemas.microsoft.com/office/powerpoint/2010/main" val="283991383"/>
+      </p:ext>
+    </p:extLst>
+  </p:cSld>
+  <p:clrMapOvr>
+    <a:masterClrMapping/>
+  </p:clrMapOvr>
+</p:sld>
+</file>
+
+<file path=ppt/slides/slide6.xml><?xml version="1.0" encoding="utf-8"?>
+<p:sld xmlns:a="http://schemas.openxmlformats.org/drawingml/2006/main" xmlns:r="http://schemas.openxmlformats.org/officeDocument/2006/relationships" xmlns:p="http://schemas.openxmlformats.org/presentationml/2006/main">
+  <p:cSld>
+    <p:spTree>
+      <p:nvGrpSpPr>
+        <p:cNvPr id="1" name="">
+          <a:extLst>
+            <a:ext uri="{FF2B5EF4-FFF2-40B4-BE49-F238E27FC236}">
+              <a16:creationId xmlns:a16="http://schemas.microsoft.com/office/drawing/2014/main" id="{B4A16FF5-E36F-33D7-50D7-A07A426537C1}"/>
+            </a:ext>
+          </a:extLst>
+        </p:cNvPr>
+        <p:cNvGrpSpPr/>
+        <p:nvPr/>
+      </p:nvGrpSpPr>
+      <p:grpSpPr>
+        <a:xfrm>
+          <a:off x="0" y="0"/>
+          <a:ext cx="0" cy="0"/>
+          <a:chOff x="0" y="0"/>
+          <a:chExt cx="0" cy="0"/>
+        </a:xfrm>
+      </p:grpSpPr>
+      <p:sp>
+        <p:nvSpPr>
+          <p:cNvPr id="2" name="Title 1">
+            <a:extLst>
+              <a:ext uri="{FF2B5EF4-FFF2-40B4-BE49-F238E27FC236}">
+                <a16:creationId xmlns:a16="http://schemas.microsoft.com/office/drawing/2014/main" id="{FACEA537-ACE0-C682-602E-F5016ED098D5}"/>
+              </a:ext>
+            </a:extLst>
+          </p:cNvPr>
+          <p:cNvSpPr>
+            <a:spLocks noGrp="1"/>
+          </p:cNvSpPr>
+          <p:nvPr>
+            <p:ph type="title"/>
+          </p:nvPr>
+        </p:nvSpPr>
+        <p:spPr/>
+        <p:txBody>
+          <a:bodyPr/>
+          <a:lstStyle/>
+          <a:p>
+            <a:r>
+              <a:rPr lang="tr-TR" dirty="0"/>
+              <a:t>dB</a:t>
+            </a:r>
+          </a:p>
+        </p:txBody>
+      </p:sp>
+      <p:sp>
+        <p:nvSpPr>
+          <p:cNvPr id="3" name="Content Placeholder 2">
+            <a:extLst>
+              <a:ext uri="{FF2B5EF4-FFF2-40B4-BE49-F238E27FC236}">
+                <a16:creationId xmlns:a16="http://schemas.microsoft.com/office/drawing/2014/main" id="{C1FE327E-06D2-8F17-A1C1-D55D92F9E89A}"/>
+              </a:ext>
+            </a:extLst>
+          </p:cNvPr>
+          <p:cNvSpPr>
+            <a:spLocks noGrp="1"/>
+          </p:cNvSpPr>
+          <p:nvPr>
+            <p:ph idx="1"/>
+          </p:nvPr>
+        </p:nvSpPr>
+        <p:spPr>
+          <a:xfrm>
+            <a:off x="628650" y="1825625"/>
+            <a:ext cx="7886700" cy="4052661"/>
+          </a:xfrm>
+        </p:spPr>
+        <p:txBody>
+          <a:bodyPr>
+            <a:normAutofit fontScale="92500" lnSpcReduction="20000"/>
+          </a:bodyPr>
+          <a:lstStyle/>
+          <a:p>
+            <a:r>
+              <a:rPr lang="tr-TR" sz="2400" dirty="0"/>
+              <a:t>Kulak mekanizması doğrusal olmaması ve çok geniş basınç aralığındaki sesleri duyabilmesi Desibel (dB) biriminin ortaya çıkmasına sebep olmuştur.</a:t>
+            </a:r>
+          </a:p>
+          <a:p>
+            <a:r>
+              <a:rPr lang="tr-TR" sz="2400" dirty="0"/>
+              <a:t>20 </a:t>
+            </a:r>
+            <a:r>
+              <a:rPr lang="en-US" sz="2400" dirty="0"/>
+              <a:t>µPa</a:t>
+            </a:r>
+            <a:r>
+              <a:rPr lang="tr-TR" sz="2400" dirty="0"/>
+              <a:t> = 0 dB (işitme eşiği)</a:t>
+            </a:r>
+          </a:p>
+          <a:p>
+            <a:r>
+              <a:rPr lang="tr-TR" sz="2400" dirty="0"/>
+              <a:t>200 </a:t>
+            </a:r>
+            <a:r>
+              <a:rPr lang="en-US" sz="2400" dirty="0"/>
+              <a:t>µPa</a:t>
+            </a:r>
+            <a:r>
+              <a:rPr lang="tr-TR" sz="2400" dirty="0"/>
+              <a:t> = 10 dB (ses izolasyonlu oda)</a:t>
+            </a:r>
+          </a:p>
+          <a:p>
+            <a:r>
+              <a:rPr lang="tr-TR" sz="2400" dirty="0"/>
+              <a:t>2.000 </a:t>
+            </a:r>
+            <a:r>
+              <a:rPr lang="en-US" sz="2400" dirty="0"/>
+              <a:t>µPa</a:t>
+            </a:r>
+            <a:r>
+              <a:rPr lang="tr-TR" sz="2400" dirty="0"/>
+              <a:t> = 20 dB (kayıt stüdyosu)</a:t>
+            </a:r>
+          </a:p>
+          <a:p>
+            <a:r>
+              <a:rPr lang="tr-TR" sz="2400" dirty="0"/>
+              <a:t>20.000 </a:t>
+            </a:r>
+            <a:r>
+              <a:rPr lang="en-US" sz="2400" dirty="0"/>
+              <a:t>µPa</a:t>
+            </a:r>
+            <a:r>
+              <a:rPr lang="tr-TR" sz="2400" dirty="0"/>
+              <a:t> = 30 dB (sessiz derslik)</a:t>
+            </a:r>
+          </a:p>
+          <a:p>
+            <a:r>
+              <a:rPr lang="tr-TR" sz="2400" dirty="0"/>
+              <a:t>...</a:t>
+            </a:r>
+          </a:p>
+          <a:p>
+            <a:r>
+              <a:rPr lang="tr-TR" sz="2400" dirty="0"/>
+              <a:t>20e6 </a:t>
+            </a:r>
+            <a:r>
+              <a:rPr lang="en-US" sz="2400" dirty="0"/>
+              <a:t>µPa</a:t>
+            </a:r>
+            <a:r>
+              <a:rPr lang="tr-TR" sz="2400" dirty="0"/>
+              <a:t> = 60 dB (konuşma, ofis)</a:t>
+            </a:r>
+          </a:p>
+          <a:p>
+            <a:r>
+              <a:rPr lang="tr-TR" sz="2400" dirty="0"/>
+              <a:t>...</a:t>
+            </a:r>
+          </a:p>
+          <a:p>
+            <a:r>
+              <a:rPr lang="tr-TR" sz="2400" dirty="0"/>
+              <a:t>20e12 </a:t>
+            </a:r>
+            <a:r>
+              <a:rPr lang="en-US" sz="2400" dirty="0"/>
+              <a:t>µPa</a:t>
+            </a:r>
+            <a:r>
+              <a:rPr lang="tr-TR" sz="2400" dirty="0"/>
+              <a:t> = 120 dB (</a:t>
+            </a:r>
+            <a:r>
+              <a:rPr lang="tr-TR" sz="2400" dirty="0" err="1"/>
+              <a:t>rock</a:t>
+            </a:r>
+            <a:r>
+              <a:rPr lang="tr-TR" sz="2400" dirty="0"/>
+              <a:t> konseri, yaklaşık jet motoru)</a:t>
+            </a:r>
+          </a:p>
+          <a:p>
+            <a:endParaRPr lang="tr-TR" dirty="0"/>
+          </a:p>
+          <a:p>
+            <a:endParaRPr lang="tr-TR" dirty="0"/>
+          </a:p>
+          <a:p>
+            <a:endParaRPr lang="tr-TR" dirty="0"/>
+          </a:p>
+        </p:txBody>
+      </p:sp>
+      <p:sp>
+        <p:nvSpPr>
+          <p:cNvPr id="5" name="TextBox 4">
+            <a:extLst>
+              <a:ext uri="{FF2B5EF4-FFF2-40B4-BE49-F238E27FC236}">
+                <a16:creationId xmlns:a16="http://schemas.microsoft.com/office/drawing/2014/main" id="{CA9EF347-B0A1-80B5-DD52-A527DC4ECCE4}"/>
+              </a:ext>
+            </a:extLst>
+          </p:cNvPr>
+          <p:cNvSpPr txBox="1"/>
+          <p:nvPr/>
+        </p:nvSpPr>
+        <p:spPr>
+          <a:xfrm>
+            <a:off x="628650" y="5878286"/>
+            <a:ext cx="7783388" cy="646331"/>
+          </a:xfrm>
+          <a:prstGeom prst="rect">
+            <a:avLst/>
+          </a:prstGeom>
+          <a:noFill/>
+        </p:spPr>
+        <p:txBody>
+          <a:bodyPr wrap="square" rtlCol="0">
+            <a:spAutoFit/>
+          </a:bodyPr>
+          <a:lstStyle/>
+          <a:p>
+            <a:r>
+              <a:rPr lang="tr-TR" dirty="0" err="1"/>
+              <a:t>https</a:t>
+            </a:r>
+            <a:r>
+              <a:rPr lang="tr-TR" dirty="0"/>
+              <a:t>://</a:t>
+            </a:r>
+            <a:r>
+              <a:rPr lang="tr-TR" dirty="0" err="1"/>
+              <a:t>www.youtube.com</a:t>
+            </a:r>
+            <a:r>
+              <a:rPr lang="tr-TR" dirty="0"/>
+              <a:t>/</a:t>
+            </a:r>
+            <a:r>
+              <a:rPr lang="tr-TR" dirty="0" err="1"/>
+              <a:t>watch?v</a:t>
+            </a:r>
+            <a:r>
+              <a:rPr lang="tr-TR" dirty="0"/>
+              <a:t>=aiEI8KiuVT8</a:t>
+            </a:r>
+          </a:p>
+          <a:p>
+            <a:r>
+              <a:rPr lang="tr-TR" dirty="0" err="1"/>
+              <a:t>https</a:t>
+            </a:r>
+            <a:r>
+              <a:rPr lang="tr-TR" dirty="0"/>
+              <a:t>://</a:t>
+            </a:r>
+            <a:r>
+              <a:rPr lang="tr-TR" dirty="0" err="1"/>
+              <a:t>www.britannica.com</a:t>
+            </a:r>
+            <a:r>
+              <a:rPr lang="tr-TR" dirty="0"/>
+              <a:t>/</a:t>
+            </a:r>
+            <a:r>
+              <a:rPr lang="tr-TR" dirty="0" err="1"/>
+              <a:t>science</a:t>
+            </a:r>
+            <a:r>
+              <a:rPr lang="tr-TR" dirty="0"/>
+              <a:t>/</a:t>
+            </a:r>
+            <a:r>
+              <a:rPr lang="tr-TR" dirty="0" err="1"/>
+              <a:t>sound-physics</a:t>
+            </a:r>
+            <a:r>
+              <a:rPr lang="tr-TR" dirty="0"/>
+              <a:t>/</a:t>
+            </a:r>
+            <a:r>
+              <a:rPr lang="tr-TR" dirty="0" err="1"/>
+              <a:t>The-decibel-scale</a:t>
+            </a:r>
+            <a:endParaRPr lang="tr-TR" dirty="0"/>
+          </a:p>
+        </p:txBody>
+      </p:sp>
+    </p:spTree>
+    <p:extLst>
+      <p:ext uri="{BB962C8B-B14F-4D97-AF65-F5344CB8AC3E}">
+        <p14:creationId xmlns:p14="http://schemas.microsoft.com/office/powerpoint/2010/main" val="3862292591"/>
       </p:ext>
     </p:extLst>
   </p:cSld>

--- a/slides/Slide_0.pptx
+++ b/slides/Slide_0.pptx
@@ -11,6 +11,16 @@
     <p:sldId id="260" r:id="rId5"/>
     <p:sldId id="261" r:id="rId6"/>
     <p:sldId id="262" r:id="rId7"/>
+    <p:sldId id="264" r:id="rId8"/>
+    <p:sldId id="263" r:id="rId9"/>
+    <p:sldId id="265" r:id="rId10"/>
+    <p:sldId id="266" r:id="rId11"/>
+    <p:sldId id="267" r:id="rId12"/>
+    <p:sldId id="268" r:id="rId13"/>
+    <p:sldId id="269" r:id="rId14"/>
+    <p:sldId id="270" r:id="rId15"/>
+    <p:sldId id="271" r:id="rId16"/>
+    <p:sldId id="272" r:id="rId17"/>
   </p:sldIdLst>
   <p:sldSz cx="9144000" cy="6858000" type="screen4x3"/>
   <p:notesSz cx="6858000" cy="9144000"/>
@@ -248,7 +258,7 @@
           <a:p>
             <a:fld id="{D9B71BA1-348B-C843-A217-1BD3E7CC25BD}" type="datetimeFigureOut">
               <a:rPr lang="tr-TR" smtClean="0"/>
-              <a:t>25.02.2025</a:t>
+              <a:t>26.02.2025</a:t>
             </a:fld>
             <a:endParaRPr lang="tr-TR"/>
           </a:p>
@@ -418,7 +428,7 @@
           <a:p>
             <a:fld id="{D9B71BA1-348B-C843-A217-1BD3E7CC25BD}" type="datetimeFigureOut">
               <a:rPr lang="tr-TR" smtClean="0"/>
-              <a:t>25.02.2025</a:t>
+              <a:t>26.02.2025</a:t>
             </a:fld>
             <a:endParaRPr lang="tr-TR"/>
           </a:p>
@@ -598,7 +608,7 @@
           <a:p>
             <a:fld id="{D9B71BA1-348B-C843-A217-1BD3E7CC25BD}" type="datetimeFigureOut">
               <a:rPr lang="tr-TR" smtClean="0"/>
-              <a:t>25.02.2025</a:t>
+              <a:t>26.02.2025</a:t>
             </a:fld>
             <a:endParaRPr lang="tr-TR"/>
           </a:p>
@@ -768,7 +778,7 @@
           <a:p>
             <a:fld id="{D9B71BA1-348B-C843-A217-1BD3E7CC25BD}" type="datetimeFigureOut">
               <a:rPr lang="tr-TR" smtClean="0"/>
-              <a:t>25.02.2025</a:t>
+              <a:t>26.02.2025</a:t>
             </a:fld>
             <a:endParaRPr lang="tr-TR"/>
           </a:p>
@@ -1014,7 +1024,7 @@
           <a:p>
             <a:fld id="{D9B71BA1-348B-C843-A217-1BD3E7CC25BD}" type="datetimeFigureOut">
               <a:rPr lang="tr-TR" smtClean="0"/>
-              <a:t>25.02.2025</a:t>
+              <a:t>26.02.2025</a:t>
             </a:fld>
             <a:endParaRPr lang="tr-TR"/>
           </a:p>
@@ -1246,7 +1256,7 @@
           <a:p>
             <a:fld id="{D9B71BA1-348B-C843-A217-1BD3E7CC25BD}" type="datetimeFigureOut">
               <a:rPr lang="tr-TR" smtClean="0"/>
-              <a:t>25.02.2025</a:t>
+              <a:t>26.02.2025</a:t>
             </a:fld>
             <a:endParaRPr lang="tr-TR"/>
           </a:p>
@@ -1613,7 +1623,7 @@
           <a:p>
             <a:fld id="{D9B71BA1-348B-C843-A217-1BD3E7CC25BD}" type="datetimeFigureOut">
               <a:rPr lang="tr-TR" smtClean="0"/>
-              <a:t>25.02.2025</a:t>
+              <a:t>26.02.2025</a:t>
             </a:fld>
             <a:endParaRPr lang="tr-TR"/>
           </a:p>
@@ -1731,7 +1741,7 @@
           <a:p>
             <a:fld id="{D9B71BA1-348B-C843-A217-1BD3E7CC25BD}" type="datetimeFigureOut">
               <a:rPr lang="tr-TR" smtClean="0"/>
-              <a:t>25.02.2025</a:t>
+              <a:t>26.02.2025</a:t>
             </a:fld>
             <a:endParaRPr lang="tr-TR"/>
           </a:p>
@@ -1826,7 +1836,7 @@
           <a:p>
             <a:fld id="{D9B71BA1-348B-C843-A217-1BD3E7CC25BD}" type="datetimeFigureOut">
               <a:rPr lang="tr-TR" smtClean="0"/>
-              <a:t>25.02.2025</a:t>
+              <a:t>26.02.2025</a:t>
             </a:fld>
             <a:endParaRPr lang="tr-TR"/>
           </a:p>
@@ -2103,7 +2113,7 @@
           <a:p>
             <a:fld id="{D9B71BA1-348B-C843-A217-1BD3E7CC25BD}" type="datetimeFigureOut">
               <a:rPr lang="tr-TR" smtClean="0"/>
-              <a:t>25.02.2025</a:t>
+              <a:t>26.02.2025</a:t>
             </a:fld>
             <a:endParaRPr lang="tr-TR"/>
           </a:p>
@@ -2360,7 +2370,7 @@
           <a:p>
             <a:fld id="{D9B71BA1-348B-C843-A217-1BD3E7CC25BD}" type="datetimeFigureOut">
               <a:rPr lang="tr-TR" smtClean="0"/>
-              <a:t>25.02.2025</a:t>
+              <a:t>26.02.2025</a:t>
             </a:fld>
             <a:endParaRPr lang="tr-TR"/>
           </a:p>
@@ -2573,7 +2583,7 @@
           <a:p>
             <a:fld id="{D9B71BA1-348B-C843-A217-1BD3E7CC25BD}" type="datetimeFigureOut">
               <a:rPr lang="tr-TR" smtClean="0"/>
-              <a:t>25.02.2025</a:t>
+              <a:t>26.02.2025</a:t>
             </a:fld>
             <a:endParaRPr lang="tr-TR"/>
           </a:p>
@@ -3086,6 +3096,1573 @@
 </p:sld>
 </file>
 
+<file path=ppt/slides/slide10.xml><?xml version="1.0" encoding="utf-8"?>
+<p:sld xmlns:a="http://schemas.openxmlformats.org/drawingml/2006/main" xmlns:r="http://schemas.openxmlformats.org/officeDocument/2006/relationships" xmlns:p="http://schemas.openxmlformats.org/presentationml/2006/main">
+  <p:cSld>
+    <p:spTree>
+      <p:nvGrpSpPr>
+        <p:cNvPr id="1" name=""/>
+        <p:cNvGrpSpPr/>
+        <p:nvPr/>
+      </p:nvGrpSpPr>
+      <p:grpSpPr>
+        <a:xfrm>
+          <a:off x="0" y="0"/>
+          <a:ext cx="0" cy="0"/>
+          <a:chOff x="0" y="0"/>
+          <a:chExt cx="0" cy="0"/>
+        </a:xfrm>
+      </p:grpSpPr>
+      <p:sp>
+        <p:nvSpPr>
+          <p:cNvPr id="2" name="Title 1">
+            <a:extLst>
+              <a:ext uri="{FF2B5EF4-FFF2-40B4-BE49-F238E27FC236}">
+                <a16:creationId xmlns:a16="http://schemas.microsoft.com/office/drawing/2014/main" id="{A8B1A3A8-029D-7DD4-1D8E-A374B823591B}"/>
+              </a:ext>
+            </a:extLst>
+          </p:cNvPr>
+          <p:cNvSpPr>
+            <a:spLocks noGrp="1"/>
+          </p:cNvSpPr>
+          <p:nvPr>
+            <p:ph type="title"/>
+          </p:nvPr>
+        </p:nvSpPr>
+        <p:spPr/>
+        <p:txBody>
+          <a:bodyPr/>
+          <a:lstStyle/>
+          <a:p>
+            <a:r>
+              <a:rPr lang="tr-TR" dirty="0"/>
+              <a:t>Sesin Nitelikleri</a:t>
+            </a:r>
+          </a:p>
+        </p:txBody>
+      </p:sp>
+      <p:pic>
+        <p:nvPicPr>
+          <p:cNvPr id="5" name="Content Placeholder 4" descr="A diagram of a waveform&#10;&#10;AI-generated content may be incorrect.">
+            <a:extLst>
+              <a:ext uri="{FF2B5EF4-FFF2-40B4-BE49-F238E27FC236}">
+                <a16:creationId xmlns:a16="http://schemas.microsoft.com/office/drawing/2014/main" id="{2129D3C3-C644-AB9F-0EF1-D9007AA3CFEC}"/>
+              </a:ext>
+            </a:extLst>
+          </p:cNvPr>
+          <p:cNvPicPr>
+            <a:picLocks noGrp="1" noChangeAspect="1"/>
+          </p:cNvPicPr>
+          <p:nvPr>
+            <p:ph idx="1"/>
+          </p:nvPr>
+        </p:nvPicPr>
+        <p:blipFill>
+          <a:blip r:embed="rId2"/>
+          <a:srcRect l="2470" t="2546" r="3402" b="3163"/>
+          <a:stretch/>
+        </p:blipFill>
+        <p:spPr>
+          <a:xfrm>
+            <a:off x="628650" y="1690689"/>
+            <a:ext cx="3120081" cy="2131541"/>
+          </a:xfrm>
+        </p:spPr>
+      </p:pic>
+      <p:sp>
+        <p:nvSpPr>
+          <p:cNvPr id="6" name="TextBox 5">
+            <a:extLst>
+              <a:ext uri="{FF2B5EF4-FFF2-40B4-BE49-F238E27FC236}">
+                <a16:creationId xmlns:a16="http://schemas.microsoft.com/office/drawing/2014/main" id="{48139EDB-0834-0AAF-C4E0-B8784F476826}"/>
+              </a:ext>
+            </a:extLst>
+          </p:cNvPr>
+          <p:cNvSpPr txBox="1"/>
+          <p:nvPr/>
+        </p:nvSpPr>
+        <p:spPr>
+          <a:xfrm>
+            <a:off x="628650" y="6123542"/>
+            <a:ext cx="8169544" cy="369332"/>
+          </a:xfrm>
+          <a:prstGeom prst="rect">
+            <a:avLst/>
+          </a:prstGeom>
+          <a:noFill/>
+        </p:spPr>
+        <p:txBody>
+          <a:bodyPr wrap="none" rtlCol="0">
+            <a:spAutoFit/>
+          </a:bodyPr>
+          <a:lstStyle/>
+          <a:p>
+            <a:r>
+              <a:rPr lang="tr-TR" dirty="0" err="1"/>
+              <a:t>https</a:t>
+            </a:r>
+            <a:r>
+              <a:rPr lang="tr-TR" dirty="0"/>
+              <a:t>://</a:t>
+            </a:r>
+            <a:r>
+              <a:rPr lang="tr-TR" dirty="0" err="1"/>
+              <a:t>courses.lumenlearning.com</a:t>
+            </a:r>
+            <a:r>
+              <a:rPr lang="tr-TR" dirty="0"/>
+              <a:t>/wm-biology2/</a:t>
+            </a:r>
+            <a:r>
+              <a:rPr lang="tr-TR" dirty="0" err="1"/>
+              <a:t>chapter</a:t>
+            </a:r>
+            <a:r>
+              <a:rPr lang="tr-TR" dirty="0"/>
+              <a:t>/</a:t>
+            </a:r>
+            <a:r>
+              <a:rPr lang="tr-TR" dirty="0" err="1"/>
+              <a:t>sound-and-reception</a:t>
+            </a:r>
+            <a:r>
+              <a:rPr lang="tr-TR" dirty="0"/>
+              <a:t>/</a:t>
+            </a:r>
+          </a:p>
+        </p:txBody>
+      </p:sp>
+      <p:sp>
+        <p:nvSpPr>
+          <p:cNvPr id="7" name="TextBox 6">
+            <a:extLst>
+              <a:ext uri="{FF2B5EF4-FFF2-40B4-BE49-F238E27FC236}">
+                <a16:creationId xmlns:a16="http://schemas.microsoft.com/office/drawing/2014/main" id="{A84418C0-4F0E-E782-197C-44F5B4F77E65}"/>
+              </a:ext>
+            </a:extLst>
+          </p:cNvPr>
+          <p:cNvSpPr txBox="1"/>
+          <p:nvPr/>
+        </p:nvSpPr>
+        <p:spPr>
+          <a:xfrm>
+            <a:off x="700644" y="4061360"/>
+            <a:ext cx="8097550" cy="1477328"/>
+          </a:xfrm>
+          <a:prstGeom prst="rect">
+            <a:avLst/>
+          </a:prstGeom>
+          <a:noFill/>
+        </p:spPr>
+        <p:txBody>
+          <a:bodyPr wrap="square" rtlCol="0">
+            <a:spAutoFit/>
+          </a:bodyPr>
+          <a:lstStyle/>
+          <a:p>
+            <a:pPr marL="285750" indent="-285750">
+              <a:buFont typeface="Arial" panose="020B0604020202020204" pitchFamily="34" charset="0"/>
+              <a:buChar char="•"/>
+            </a:pPr>
+            <a:r>
+              <a:rPr lang="tr-TR" dirty="0"/>
+              <a:t>Frekans (f / Hz): 1 saniyedeki dalga sayısı. İnsanlar 20 Hz - 20 kHz aralığındaki frekansları işitebilir. </a:t>
+            </a:r>
+          </a:p>
+          <a:p>
+            <a:pPr marL="285750" indent="-285750">
+              <a:buFont typeface="Arial" panose="020B0604020202020204" pitchFamily="34" charset="0"/>
+              <a:buChar char="•"/>
+            </a:pPr>
+            <a:r>
+              <a:rPr lang="tr-TR" dirty="0"/>
+              <a:t>Dalga boyu: Ses hızı / f</a:t>
+            </a:r>
+          </a:p>
+          <a:p>
+            <a:pPr marL="285750" indent="-285750">
+              <a:buFont typeface="Arial" panose="020B0604020202020204" pitchFamily="34" charset="0"/>
+              <a:buChar char="•"/>
+            </a:pPr>
+            <a:r>
+              <a:rPr lang="tr-TR" dirty="0"/>
+              <a:t>Periyot (T / sn): 1 / f</a:t>
+            </a:r>
+          </a:p>
+          <a:p>
+            <a:pPr marL="285750" indent="-285750">
+              <a:buFont typeface="Arial" panose="020B0604020202020204" pitchFamily="34" charset="0"/>
+              <a:buChar char="•"/>
+            </a:pPr>
+            <a:r>
+              <a:rPr lang="tr-TR" dirty="0"/>
+              <a:t>Genlik: Sesin seviyesi. Kısık veya gürültülü.</a:t>
+            </a:r>
+          </a:p>
+        </p:txBody>
+      </p:sp>
+    </p:spTree>
+    <p:extLst>
+      <p:ext uri="{BB962C8B-B14F-4D97-AF65-F5344CB8AC3E}">
+        <p14:creationId xmlns:p14="http://schemas.microsoft.com/office/powerpoint/2010/main" val="907950647"/>
+      </p:ext>
+    </p:extLst>
+  </p:cSld>
+  <p:clrMapOvr>
+    <a:masterClrMapping/>
+  </p:clrMapOvr>
+</p:sld>
+</file>
+
+<file path=ppt/slides/slide11.xml><?xml version="1.0" encoding="utf-8"?>
+<p:sld xmlns:a="http://schemas.openxmlformats.org/drawingml/2006/main" xmlns:r="http://schemas.openxmlformats.org/officeDocument/2006/relationships" xmlns:p="http://schemas.openxmlformats.org/presentationml/2006/main">
+  <p:cSld>
+    <p:spTree>
+      <p:nvGrpSpPr>
+        <p:cNvPr id="1" name=""/>
+        <p:cNvGrpSpPr/>
+        <p:nvPr/>
+      </p:nvGrpSpPr>
+      <p:grpSpPr>
+        <a:xfrm>
+          <a:off x="0" y="0"/>
+          <a:ext cx="0" cy="0"/>
+          <a:chOff x="0" y="0"/>
+          <a:chExt cx="0" cy="0"/>
+        </a:xfrm>
+      </p:grpSpPr>
+      <p:sp>
+        <p:nvSpPr>
+          <p:cNvPr id="2" name="Title 1">
+            <a:extLst>
+              <a:ext uri="{FF2B5EF4-FFF2-40B4-BE49-F238E27FC236}">
+                <a16:creationId xmlns:a16="http://schemas.microsoft.com/office/drawing/2014/main" id="{02994655-F734-AB92-FC91-118E3CB15B4F}"/>
+              </a:ext>
+            </a:extLst>
+          </p:cNvPr>
+          <p:cNvSpPr>
+            <a:spLocks noGrp="1"/>
+          </p:cNvSpPr>
+          <p:nvPr>
+            <p:ph type="title"/>
+          </p:nvPr>
+        </p:nvSpPr>
+        <p:spPr/>
+        <p:txBody>
+          <a:bodyPr/>
+          <a:lstStyle/>
+          <a:p>
+            <a:r>
+              <a:rPr lang="tr-TR" dirty="0"/>
+              <a:t>Sesin Kaydı</a:t>
+            </a:r>
+          </a:p>
+        </p:txBody>
+      </p:sp>
+      <p:pic>
+        <p:nvPicPr>
+          <p:cNvPr id="5" name="Content Placeholder 4" descr="Diagram of a device with a wire and text&#10;&#10;AI-generated content may be incorrect.">
+            <a:extLst>
+              <a:ext uri="{FF2B5EF4-FFF2-40B4-BE49-F238E27FC236}">
+                <a16:creationId xmlns:a16="http://schemas.microsoft.com/office/drawing/2014/main" id="{2138BF95-7DF1-2414-F31C-1344BFB3EF97}"/>
+              </a:ext>
+            </a:extLst>
+          </p:cNvPr>
+          <p:cNvPicPr>
+            <a:picLocks noGrp="1" noChangeAspect="1"/>
+          </p:cNvPicPr>
+          <p:nvPr>
+            <p:ph idx="1"/>
+          </p:nvPr>
+        </p:nvPicPr>
+        <p:blipFill>
+          <a:blip r:embed="rId2"/>
+          <a:stretch>
+            <a:fillRect/>
+          </a:stretch>
+        </p:blipFill>
+        <p:spPr>
+          <a:xfrm>
+            <a:off x="628650" y="1847563"/>
+            <a:ext cx="2959100" cy="1422400"/>
+          </a:xfrm>
+        </p:spPr>
+      </p:pic>
+      <p:sp>
+        <p:nvSpPr>
+          <p:cNvPr id="6" name="TextBox 5">
+            <a:extLst>
+              <a:ext uri="{FF2B5EF4-FFF2-40B4-BE49-F238E27FC236}">
+                <a16:creationId xmlns:a16="http://schemas.microsoft.com/office/drawing/2014/main" id="{78657593-AE64-F7E1-30AB-29FB74F89F44}"/>
+              </a:ext>
+            </a:extLst>
+          </p:cNvPr>
+          <p:cNvSpPr txBox="1"/>
+          <p:nvPr/>
+        </p:nvSpPr>
+        <p:spPr>
+          <a:xfrm>
+            <a:off x="628650" y="6123542"/>
+            <a:ext cx="8032135" cy="369332"/>
+          </a:xfrm>
+          <a:prstGeom prst="rect">
+            <a:avLst/>
+          </a:prstGeom>
+          <a:noFill/>
+        </p:spPr>
+        <p:txBody>
+          <a:bodyPr wrap="none" rtlCol="0">
+            <a:spAutoFit/>
+          </a:bodyPr>
+          <a:lstStyle/>
+          <a:p>
+            <a:r>
+              <a:rPr lang="tr-TR" dirty="0" err="1"/>
+              <a:t>https</a:t>
+            </a:r>
+            <a:r>
+              <a:rPr lang="tr-TR" dirty="0"/>
+              <a:t>://</a:t>
+            </a:r>
+            <a:r>
+              <a:rPr lang="tr-TR" dirty="0" err="1"/>
+              <a:t>www.teachmeaudio.com</a:t>
+            </a:r>
+            <a:r>
+              <a:rPr lang="tr-TR" dirty="0"/>
+              <a:t>/</a:t>
+            </a:r>
+            <a:r>
+              <a:rPr lang="tr-TR" dirty="0" err="1"/>
+              <a:t>recording</a:t>
+            </a:r>
+            <a:r>
+              <a:rPr lang="tr-TR" dirty="0"/>
+              <a:t>/</a:t>
+            </a:r>
+            <a:r>
+              <a:rPr lang="tr-TR" dirty="0" err="1"/>
+              <a:t>microphones</a:t>
+            </a:r>
+            <a:r>
+              <a:rPr lang="tr-TR" dirty="0"/>
+              <a:t>/</a:t>
+            </a:r>
+            <a:r>
+              <a:rPr lang="tr-TR" dirty="0" err="1"/>
+              <a:t>dynamic-microphone</a:t>
+            </a:r>
+            <a:endParaRPr lang="tr-TR" dirty="0"/>
+          </a:p>
+        </p:txBody>
+      </p:sp>
+      <p:sp>
+        <p:nvSpPr>
+          <p:cNvPr id="7" name="TextBox 6">
+            <a:extLst>
+              <a:ext uri="{FF2B5EF4-FFF2-40B4-BE49-F238E27FC236}">
+                <a16:creationId xmlns:a16="http://schemas.microsoft.com/office/drawing/2014/main" id="{83CAD99B-0C55-0C25-63D8-1DAAB26CA1B4}"/>
+              </a:ext>
+            </a:extLst>
+          </p:cNvPr>
+          <p:cNvSpPr txBox="1"/>
+          <p:nvPr/>
+        </p:nvSpPr>
+        <p:spPr>
+          <a:xfrm>
+            <a:off x="628650" y="3699164"/>
+            <a:ext cx="7707828" cy="1477328"/>
+          </a:xfrm>
+          <a:prstGeom prst="rect">
+            <a:avLst/>
+          </a:prstGeom>
+          <a:noFill/>
+        </p:spPr>
+        <p:txBody>
+          <a:bodyPr wrap="square" rtlCol="0">
+            <a:spAutoFit/>
+          </a:bodyPr>
+          <a:lstStyle/>
+          <a:p>
+            <a:pPr marL="285750" indent="-285750">
+              <a:buFont typeface="Arial" panose="020B0604020202020204" pitchFamily="34" charset="0"/>
+              <a:buChar char="•"/>
+            </a:pPr>
+            <a:r>
+              <a:rPr lang="tr-TR" dirty="0"/>
+              <a:t>Dinamik bir mikrofonda ses dalgaları, bir tel bobinine bağlı ince bir metal diyaframa çarpar. Diyafram, ses dalgasına yanıt olarak bobini titreştirir. Bobinin içine yerleştirilen bir mıknatıs, manyetik bir alan üretir. </a:t>
+            </a:r>
+          </a:p>
+          <a:p>
+            <a:pPr marL="285750" indent="-285750">
+              <a:buFont typeface="Arial" panose="020B0604020202020204" pitchFamily="34" charset="0"/>
+              <a:buChar char="•"/>
+            </a:pPr>
+            <a:r>
+              <a:rPr lang="tr-TR" dirty="0"/>
+              <a:t>Manyetik alandaki bobinin hareketi, alınan sese karşılık gelen elektrik sinyalini üretir. Üretilen elektrik sinyali kablo aracılığıyla hedefe ulaşır.</a:t>
+            </a:r>
+          </a:p>
+        </p:txBody>
+      </p:sp>
+    </p:spTree>
+    <p:extLst>
+      <p:ext uri="{BB962C8B-B14F-4D97-AF65-F5344CB8AC3E}">
+        <p14:creationId xmlns:p14="http://schemas.microsoft.com/office/powerpoint/2010/main" val="3893700118"/>
+      </p:ext>
+    </p:extLst>
+  </p:cSld>
+  <p:clrMapOvr>
+    <a:masterClrMapping/>
+  </p:clrMapOvr>
+</p:sld>
+</file>
+
+<file path=ppt/slides/slide12.xml><?xml version="1.0" encoding="utf-8"?>
+<p:sld xmlns:a="http://schemas.openxmlformats.org/drawingml/2006/main" xmlns:r="http://schemas.openxmlformats.org/officeDocument/2006/relationships" xmlns:p="http://schemas.openxmlformats.org/presentationml/2006/main">
+  <p:cSld>
+    <p:spTree>
+      <p:nvGrpSpPr>
+        <p:cNvPr id="1" name=""/>
+        <p:cNvGrpSpPr/>
+        <p:nvPr/>
+      </p:nvGrpSpPr>
+      <p:grpSpPr>
+        <a:xfrm>
+          <a:off x="0" y="0"/>
+          <a:ext cx="0" cy="0"/>
+          <a:chOff x="0" y="0"/>
+          <a:chExt cx="0" cy="0"/>
+        </a:xfrm>
+      </p:grpSpPr>
+      <p:sp>
+        <p:nvSpPr>
+          <p:cNvPr id="2" name="Title 1">
+            <a:extLst>
+              <a:ext uri="{FF2B5EF4-FFF2-40B4-BE49-F238E27FC236}">
+                <a16:creationId xmlns:a16="http://schemas.microsoft.com/office/drawing/2014/main" id="{D6C73118-5575-7D20-4C56-3C8E31CEF375}"/>
+              </a:ext>
+            </a:extLst>
+          </p:cNvPr>
+          <p:cNvSpPr>
+            <a:spLocks noGrp="1"/>
+          </p:cNvSpPr>
+          <p:nvPr>
+            <p:ph type="title"/>
+          </p:nvPr>
+        </p:nvSpPr>
+        <p:spPr/>
+        <p:txBody>
+          <a:bodyPr/>
+          <a:lstStyle/>
+          <a:p>
+            <a:r>
+              <a:rPr lang="tr-TR" dirty="0"/>
+              <a:t>Sesin Kaydı</a:t>
+            </a:r>
+          </a:p>
+        </p:txBody>
+      </p:sp>
+      <p:pic>
+        <p:nvPicPr>
+          <p:cNvPr id="5" name="Content Placeholder 4" descr="A diagram of a computer chip&#10;&#10;AI-generated content may be incorrect.">
+            <a:extLst>
+              <a:ext uri="{FF2B5EF4-FFF2-40B4-BE49-F238E27FC236}">
+                <a16:creationId xmlns:a16="http://schemas.microsoft.com/office/drawing/2014/main" id="{C186B2D8-7E60-8729-3ED4-722BFC055F77}"/>
+              </a:ext>
+            </a:extLst>
+          </p:cNvPr>
+          <p:cNvPicPr>
+            <a:picLocks noGrp="1" noChangeAspect="1"/>
+          </p:cNvPicPr>
+          <p:nvPr>
+            <p:ph idx="1"/>
+          </p:nvPr>
+        </p:nvPicPr>
+        <p:blipFill>
+          <a:blip r:embed="rId2"/>
+          <a:srcRect l="13559" t="4655" r="19116"/>
+          <a:stretch/>
+        </p:blipFill>
+        <p:spPr>
+          <a:xfrm>
+            <a:off x="628650" y="1690689"/>
+            <a:ext cx="4702629" cy="2881888"/>
+          </a:xfrm>
+        </p:spPr>
+      </p:pic>
+      <p:sp>
+        <p:nvSpPr>
+          <p:cNvPr id="6" name="TextBox 5">
+            <a:extLst>
+              <a:ext uri="{FF2B5EF4-FFF2-40B4-BE49-F238E27FC236}">
+                <a16:creationId xmlns:a16="http://schemas.microsoft.com/office/drawing/2014/main" id="{FC827585-6E52-64A2-EE17-B72B1CEA2D5B}"/>
+              </a:ext>
+            </a:extLst>
+          </p:cNvPr>
+          <p:cNvSpPr txBox="1"/>
+          <p:nvPr/>
+        </p:nvSpPr>
+        <p:spPr>
+          <a:xfrm>
+            <a:off x="628650" y="4982645"/>
+            <a:ext cx="2832635" cy="369332"/>
+          </a:xfrm>
+          <a:prstGeom prst="rect">
+            <a:avLst/>
+          </a:prstGeom>
+          <a:noFill/>
+        </p:spPr>
+        <p:txBody>
+          <a:bodyPr wrap="none" rtlCol="0">
+            <a:spAutoFit/>
+          </a:bodyPr>
+          <a:lstStyle/>
+          <a:p>
+            <a:r>
+              <a:rPr lang="tr-TR" dirty="0"/>
+              <a:t>Analog </a:t>
+            </a:r>
+            <a:r>
+              <a:rPr lang="tr-TR" dirty="0" err="1"/>
+              <a:t>to</a:t>
+            </a:r>
+            <a:r>
+              <a:rPr lang="tr-TR" dirty="0"/>
+              <a:t> </a:t>
+            </a:r>
+            <a:r>
+              <a:rPr lang="tr-TR" dirty="0" err="1"/>
+              <a:t>Digital</a:t>
+            </a:r>
+            <a:r>
+              <a:rPr lang="tr-TR" dirty="0"/>
+              <a:t> Converter</a:t>
+            </a:r>
+          </a:p>
+        </p:txBody>
+      </p:sp>
+    </p:spTree>
+    <p:extLst>
+      <p:ext uri="{BB962C8B-B14F-4D97-AF65-F5344CB8AC3E}">
+        <p14:creationId xmlns:p14="http://schemas.microsoft.com/office/powerpoint/2010/main" val="2296029902"/>
+      </p:ext>
+    </p:extLst>
+  </p:cSld>
+  <p:clrMapOvr>
+    <a:masterClrMapping/>
+  </p:clrMapOvr>
+</p:sld>
+</file>
+
+<file path=ppt/slides/slide13.xml><?xml version="1.0" encoding="utf-8"?>
+<p:sld xmlns:a="http://schemas.openxmlformats.org/drawingml/2006/main" xmlns:r="http://schemas.openxmlformats.org/officeDocument/2006/relationships" xmlns:p="http://schemas.openxmlformats.org/presentationml/2006/main">
+  <p:cSld>
+    <p:spTree>
+      <p:nvGrpSpPr>
+        <p:cNvPr id="1" name="">
+          <a:extLst>
+            <a:ext uri="{FF2B5EF4-FFF2-40B4-BE49-F238E27FC236}">
+              <a16:creationId xmlns:a16="http://schemas.microsoft.com/office/drawing/2014/main" id="{A7F918D4-6A08-D635-EC43-2BFE812AF309}"/>
+            </a:ext>
+          </a:extLst>
+        </p:cNvPr>
+        <p:cNvGrpSpPr/>
+        <p:nvPr/>
+      </p:nvGrpSpPr>
+      <p:grpSpPr>
+        <a:xfrm>
+          <a:off x="0" y="0"/>
+          <a:ext cx="0" cy="0"/>
+          <a:chOff x="0" y="0"/>
+          <a:chExt cx="0" cy="0"/>
+        </a:xfrm>
+      </p:grpSpPr>
+      <p:sp>
+        <p:nvSpPr>
+          <p:cNvPr id="2" name="Title 1">
+            <a:extLst>
+              <a:ext uri="{FF2B5EF4-FFF2-40B4-BE49-F238E27FC236}">
+                <a16:creationId xmlns:a16="http://schemas.microsoft.com/office/drawing/2014/main" id="{D3E136C6-6FEB-3E1C-5048-CD5503BBE48D}"/>
+              </a:ext>
+            </a:extLst>
+          </p:cNvPr>
+          <p:cNvSpPr>
+            <a:spLocks noGrp="1"/>
+          </p:cNvSpPr>
+          <p:nvPr>
+            <p:ph type="title"/>
+          </p:nvPr>
+        </p:nvSpPr>
+        <p:spPr/>
+        <p:txBody>
+          <a:bodyPr/>
+          <a:lstStyle/>
+          <a:p>
+            <a:r>
+              <a:rPr lang="tr-TR" dirty="0"/>
+              <a:t>Sesin Kaydı</a:t>
+            </a:r>
+          </a:p>
+        </p:txBody>
+      </p:sp>
+      <p:pic>
+        <p:nvPicPr>
+          <p:cNvPr id="8" name="Picture 7" descr="A diagram of different types of waves&#10;&#10;AI-generated content may be incorrect.">
+            <a:extLst>
+              <a:ext uri="{FF2B5EF4-FFF2-40B4-BE49-F238E27FC236}">
+                <a16:creationId xmlns:a16="http://schemas.microsoft.com/office/drawing/2014/main" id="{55CF1218-A2C8-352F-9885-4763966C1E53}"/>
+              </a:ext>
+            </a:extLst>
+          </p:cNvPr>
+          <p:cNvPicPr>
+            <a:picLocks noChangeAspect="1"/>
+          </p:cNvPicPr>
+          <p:nvPr/>
+        </p:nvPicPr>
+        <p:blipFill>
+          <a:blip r:embed="rId2"/>
+          <a:stretch>
+            <a:fillRect/>
+          </a:stretch>
+        </p:blipFill>
+        <p:spPr>
+          <a:xfrm>
+            <a:off x="628650" y="1600200"/>
+            <a:ext cx="3657600" cy="3657600"/>
+          </a:xfrm>
+          <a:prstGeom prst="rect">
+            <a:avLst/>
+          </a:prstGeom>
+        </p:spPr>
+      </p:pic>
+      <p:sp>
+        <p:nvSpPr>
+          <p:cNvPr id="9" name="TextBox 8">
+            <a:extLst>
+              <a:ext uri="{FF2B5EF4-FFF2-40B4-BE49-F238E27FC236}">
+                <a16:creationId xmlns:a16="http://schemas.microsoft.com/office/drawing/2014/main" id="{A2C89253-854F-3B65-C4B9-744EA4DB50C2}"/>
+              </a:ext>
+            </a:extLst>
+          </p:cNvPr>
+          <p:cNvSpPr txBox="1"/>
+          <p:nvPr/>
+        </p:nvSpPr>
+        <p:spPr>
+          <a:xfrm>
+            <a:off x="628650" y="5846543"/>
+            <a:ext cx="6869875" cy="646331"/>
+          </a:xfrm>
+          <a:prstGeom prst="rect">
+            <a:avLst/>
+          </a:prstGeom>
+          <a:noFill/>
+        </p:spPr>
+        <p:txBody>
+          <a:bodyPr wrap="square" rtlCol="0">
+            <a:spAutoFit/>
+          </a:bodyPr>
+          <a:lstStyle/>
+          <a:p>
+            <a:r>
+              <a:rPr lang="tr-TR" dirty="0" err="1"/>
+              <a:t>https</a:t>
+            </a:r>
+            <a:r>
+              <a:rPr lang="tr-TR" dirty="0"/>
+              <a:t>://</a:t>
+            </a:r>
+            <a:r>
+              <a:rPr lang="tr-TR" dirty="0" err="1"/>
+              <a:t>www.izotope.com</a:t>
+            </a:r>
+            <a:r>
+              <a:rPr lang="tr-TR" dirty="0"/>
+              <a:t>/en/</a:t>
+            </a:r>
+            <a:r>
+              <a:rPr lang="tr-TR" dirty="0" err="1"/>
+              <a:t>learn</a:t>
+            </a:r>
+            <a:r>
+              <a:rPr lang="tr-TR" dirty="0"/>
+              <a:t>/</a:t>
+            </a:r>
+            <a:r>
+              <a:rPr lang="tr-TR" dirty="0" err="1"/>
+              <a:t>digital</a:t>
+            </a:r>
+            <a:r>
+              <a:rPr lang="tr-TR" dirty="0"/>
+              <a:t>-</a:t>
+            </a:r>
+            <a:r>
+              <a:rPr lang="tr-TR" dirty="0" err="1"/>
+              <a:t>audio</a:t>
+            </a:r>
+            <a:r>
+              <a:rPr lang="tr-TR" dirty="0"/>
+              <a:t>-</a:t>
+            </a:r>
+            <a:r>
+              <a:rPr lang="tr-TR" dirty="0" err="1"/>
+              <a:t>basics</a:t>
+            </a:r>
+            <a:r>
+              <a:rPr lang="tr-TR" dirty="0"/>
+              <a:t>-</a:t>
+            </a:r>
+            <a:r>
+              <a:rPr lang="tr-TR" dirty="0" err="1"/>
+              <a:t>sample</a:t>
+            </a:r>
+            <a:r>
+              <a:rPr lang="tr-TR" dirty="0"/>
+              <a:t>-rate-</a:t>
+            </a:r>
+            <a:r>
+              <a:rPr lang="tr-TR" dirty="0" err="1"/>
+              <a:t>and</a:t>
+            </a:r>
+            <a:r>
+              <a:rPr lang="tr-TR" dirty="0"/>
+              <a:t>-bit-</a:t>
+            </a:r>
+            <a:r>
+              <a:rPr lang="tr-TR" dirty="0" err="1"/>
+              <a:t>depth.html</a:t>
+            </a:r>
+            <a:endParaRPr lang="tr-TR" dirty="0"/>
+          </a:p>
+        </p:txBody>
+      </p:sp>
+    </p:spTree>
+    <p:extLst>
+      <p:ext uri="{BB962C8B-B14F-4D97-AF65-F5344CB8AC3E}">
+        <p14:creationId xmlns:p14="http://schemas.microsoft.com/office/powerpoint/2010/main" val="2148494138"/>
+      </p:ext>
+    </p:extLst>
+  </p:cSld>
+  <p:clrMapOvr>
+    <a:masterClrMapping/>
+  </p:clrMapOvr>
+</p:sld>
+</file>
+
+<file path=ppt/slides/slide14.xml><?xml version="1.0" encoding="utf-8"?>
+<p:sld xmlns:a="http://schemas.openxmlformats.org/drawingml/2006/main" xmlns:r="http://schemas.openxmlformats.org/officeDocument/2006/relationships" xmlns:p="http://schemas.openxmlformats.org/presentationml/2006/main">
+  <p:cSld>
+    <p:spTree>
+      <p:nvGrpSpPr>
+        <p:cNvPr id="1" name=""/>
+        <p:cNvGrpSpPr/>
+        <p:nvPr/>
+      </p:nvGrpSpPr>
+      <p:grpSpPr>
+        <a:xfrm>
+          <a:off x="0" y="0"/>
+          <a:ext cx="0" cy="0"/>
+          <a:chOff x="0" y="0"/>
+          <a:chExt cx="0" cy="0"/>
+        </a:xfrm>
+      </p:grpSpPr>
+      <p:sp>
+        <p:nvSpPr>
+          <p:cNvPr id="2" name="Title 1">
+            <a:extLst>
+              <a:ext uri="{FF2B5EF4-FFF2-40B4-BE49-F238E27FC236}">
+                <a16:creationId xmlns:a16="http://schemas.microsoft.com/office/drawing/2014/main" id="{CDB20567-A766-11FC-9E51-AEEDA66FB080}"/>
+              </a:ext>
+            </a:extLst>
+          </p:cNvPr>
+          <p:cNvSpPr>
+            <a:spLocks noGrp="1"/>
+          </p:cNvSpPr>
+          <p:nvPr>
+            <p:ph type="title"/>
+          </p:nvPr>
+        </p:nvSpPr>
+        <p:spPr/>
+        <p:txBody>
+          <a:bodyPr/>
+          <a:lstStyle/>
+          <a:p>
+            <a:r>
+              <a:rPr lang="tr-TR" dirty="0" err="1"/>
+              <a:t>Nyquist</a:t>
+            </a:r>
+            <a:r>
+              <a:rPr lang="tr-TR" dirty="0"/>
+              <a:t> Teoremi ve </a:t>
+            </a:r>
+            <a:r>
+              <a:rPr lang="tr-TR" dirty="0" err="1"/>
+              <a:t>Aliasing</a:t>
+            </a:r>
+            <a:r>
+              <a:rPr lang="tr-TR" dirty="0"/>
+              <a:t> </a:t>
+            </a:r>
+          </a:p>
+        </p:txBody>
+      </p:sp>
+      <p:sp>
+        <p:nvSpPr>
+          <p:cNvPr id="3" name="Content Placeholder 2">
+            <a:extLst>
+              <a:ext uri="{FF2B5EF4-FFF2-40B4-BE49-F238E27FC236}">
+                <a16:creationId xmlns:a16="http://schemas.microsoft.com/office/drawing/2014/main" id="{9A0E5194-47CA-0FD0-94B7-54627BB9FC68}"/>
+              </a:ext>
+            </a:extLst>
+          </p:cNvPr>
+          <p:cNvSpPr>
+            <a:spLocks noGrp="1"/>
+          </p:cNvSpPr>
+          <p:nvPr>
+            <p:ph idx="1"/>
+          </p:nvPr>
+        </p:nvSpPr>
+        <p:spPr/>
+        <p:txBody>
+          <a:bodyPr/>
+          <a:lstStyle/>
+          <a:p>
+            <a:r>
+              <a:rPr lang="tr-TR" dirty="0"/>
+              <a:t>Örnekleme (</a:t>
+            </a:r>
+            <a:r>
+              <a:rPr lang="tr-TR" dirty="0" err="1"/>
+              <a:t>sampling</a:t>
+            </a:r>
+            <a:r>
+              <a:rPr lang="tr-TR" dirty="0"/>
+              <a:t>) Teoremi olarak da bilinen </a:t>
+            </a:r>
+            <a:r>
+              <a:rPr lang="tr-TR" dirty="0" err="1"/>
+              <a:t>Nyquist</a:t>
+            </a:r>
+            <a:r>
+              <a:rPr lang="tr-TR" dirty="0"/>
+              <a:t> Teoremi, orijinal sinyalin frekansının en az iki katı olan bir örnek oranını yeniden üretme ilkesidir.</a:t>
+            </a:r>
+          </a:p>
+          <a:p>
+            <a:r>
+              <a:rPr lang="tr-TR" dirty="0"/>
+              <a:t>Bu ilke, tüm analogdan dijitale dönüşümlerde çok önemlidir ve </a:t>
+            </a:r>
+            <a:r>
+              <a:rPr lang="tr-TR" dirty="0" err="1"/>
+              <a:t>Aliasing</a:t>
+            </a:r>
+            <a:r>
+              <a:rPr lang="tr-TR" dirty="0"/>
+              <a:t> olarak adlandırılan bir sorunu en aza indirmek için dijital ses ve videoda uygulanır.</a:t>
+            </a:r>
+          </a:p>
+        </p:txBody>
+      </p:sp>
+      <p:sp>
+        <p:nvSpPr>
+          <p:cNvPr id="4" name="TextBox 3">
+            <a:extLst>
+              <a:ext uri="{FF2B5EF4-FFF2-40B4-BE49-F238E27FC236}">
+                <a16:creationId xmlns:a16="http://schemas.microsoft.com/office/drawing/2014/main" id="{74CE4C63-33CE-F663-264D-36BFF44AB878}"/>
+              </a:ext>
+            </a:extLst>
+          </p:cNvPr>
+          <p:cNvSpPr txBox="1"/>
+          <p:nvPr/>
+        </p:nvSpPr>
+        <p:spPr>
+          <a:xfrm>
+            <a:off x="628650" y="6123542"/>
+            <a:ext cx="6056081" cy="369332"/>
+          </a:xfrm>
+          <a:prstGeom prst="rect">
+            <a:avLst/>
+          </a:prstGeom>
+          <a:noFill/>
+        </p:spPr>
+        <p:txBody>
+          <a:bodyPr wrap="none" rtlCol="0">
+            <a:spAutoFit/>
+          </a:bodyPr>
+          <a:lstStyle/>
+          <a:p>
+            <a:r>
+              <a:rPr lang="tr-TR" dirty="0" err="1"/>
+              <a:t>https</a:t>
+            </a:r>
+            <a:r>
+              <a:rPr lang="tr-TR" dirty="0"/>
+              <a:t>://</a:t>
+            </a:r>
+            <a:r>
+              <a:rPr lang="tr-TR" dirty="0" err="1"/>
+              <a:t>www.geeksforgeeks.org</a:t>
+            </a:r>
+            <a:r>
+              <a:rPr lang="tr-TR" dirty="0"/>
+              <a:t>/</a:t>
+            </a:r>
+            <a:r>
+              <a:rPr lang="tr-TR" dirty="0" err="1"/>
+              <a:t>nyquist-sampling-theorem</a:t>
+            </a:r>
+            <a:r>
+              <a:rPr lang="tr-TR" dirty="0"/>
+              <a:t>/</a:t>
+            </a:r>
+          </a:p>
+        </p:txBody>
+      </p:sp>
+    </p:spTree>
+    <p:extLst>
+      <p:ext uri="{BB962C8B-B14F-4D97-AF65-F5344CB8AC3E}">
+        <p14:creationId xmlns:p14="http://schemas.microsoft.com/office/powerpoint/2010/main" val="404854270"/>
+      </p:ext>
+    </p:extLst>
+  </p:cSld>
+  <p:clrMapOvr>
+    <a:masterClrMapping/>
+  </p:clrMapOvr>
+</p:sld>
+</file>
+
+<file path=ppt/slides/slide15.xml><?xml version="1.0" encoding="utf-8"?>
+<p:sld xmlns:a="http://schemas.openxmlformats.org/drawingml/2006/main" xmlns:r="http://schemas.openxmlformats.org/officeDocument/2006/relationships" xmlns:p="http://schemas.openxmlformats.org/presentationml/2006/main">
+  <p:cSld>
+    <p:spTree>
+      <p:nvGrpSpPr>
+        <p:cNvPr id="1" name="">
+          <a:extLst>
+            <a:ext uri="{FF2B5EF4-FFF2-40B4-BE49-F238E27FC236}">
+              <a16:creationId xmlns:a16="http://schemas.microsoft.com/office/drawing/2014/main" id="{CAC15188-5EEA-0199-6B73-31BB32F15422}"/>
+            </a:ext>
+          </a:extLst>
+        </p:cNvPr>
+        <p:cNvGrpSpPr/>
+        <p:nvPr/>
+      </p:nvGrpSpPr>
+      <p:grpSpPr>
+        <a:xfrm>
+          <a:off x="0" y="0"/>
+          <a:ext cx="0" cy="0"/>
+          <a:chOff x="0" y="0"/>
+          <a:chExt cx="0" cy="0"/>
+        </a:xfrm>
+      </p:grpSpPr>
+      <p:sp>
+        <p:nvSpPr>
+          <p:cNvPr id="2" name="Title 1">
+            <a:extLst>
+              <a:ext uri="{FF2B5EF4-FFF2-40B4-BE49-F238E27FC236}">
+                <a16:creationId xmlns:a16="http://schemas.microsoft.com/office/drawing/2014/main" id="{69C47ACE-0F03-07A7-FDEA-14A38BCB92ED}"/>
+              </a:ext>
+            </a:extLst>
+          </p:cNvPr>
+          <p:cNvSpPr>
+            <a:spLocks noGrp="1"/>
+          </p:cNvSpPr>
+          <p:nvPr>
+            <p:ph type="title"/>
+          </p:nvPr>
+        </p:nvSpPr>
+        <p:spPr/>
+        <p:txBody>
+          <a:bodyPr/>
+          <a:lstStyle/>
+          <a:p>
+            <a:r>
+              <a:rPr lang="tr-TR" dirty="0" err="1"/>
+              <a:t>Nyquist</a:t>
+            </a:r>
+            <a:r>
+              <a:rPr lang="tr-TR" dirty="0"/>
+              <a:t> Teoremi ve </a:t>
+            </a:r>
+            <a:r>
+              <a:rPr lang="tr-TR" dirty="0" err="1"/>
+              <a:t>Aliasing</a:t>
+            </a:r>
+            <a:r>
+              <a:rPr lang="tr-TR" dirty="0"/>
+              <a:t> </a:t>
+            </a:r>
+          </a:p>
+        </p:txBody>
+      </p:sp>
+      <p:pic>
+        <p:nvPicPr>
+          <p:cNvPr id="6" name="Content Placeholder 5" descr="A diagram of waves and lines&#10;&#10;AI-generated content may be incorrect.">
+            <a:extLst>
+              <a:ext uri="{FF2B5EF4-FFF2-40B4-BE49-F238E27FC236}">
+                <a16:creationId xmlns:a16="http://schemas.microsoft.com/office/drawing/2014/main" id="{C289C56C-C0EC-6868-B87B-3BB719D9C4DE}"/>
+              </a:ext>
+            </a:extLst>
+          </p:cNvPr>
+          <p:cNvPicPr>
+            <a:picLocks noGrp="1" noChangeAspect="1"/>
+          </p:cNvPicPr>
+          <p:nvPr>
+            <p:ph idx="1"/>
+          </p:nvPr>
+        </p:nvPicPr>
+        <p:blipFill>
+          <a:blip r:embed="rId2"/>
+          <a:srcRect l="12404" r="21090" b="12745"/>
+          <a:stretch/>
+        </p:blipFill>
+        <p:spPr>
+          <a:xfrm>
+            <a:off x="628650" y="1690689"/>
+            <a:ext cx="3378530" cy="2216293"/>
+          </a:xfrm>
+        </p:spPr>
+      </p:pic>
+      <p:sp>
+        <p:nvSpPr>
+          <p:cNvPr id="4" name="TextBox 3">
+            <a:extLst>
+              <a:ext uri="{FF2B5EF4-FFF2-40B4-BE49-F238E27FC236}">
+                <a16:creationId xmlns:a16="http://schemas.microsoft.com/office/drawing/2014/main" id="{14459B8A-7BCB-0EB3-AB72-39B09F627929}"/>
+              </a:ext>
+            </a:extLst>
+          </p:cNvPr>
+          <p:cNvSpPr txBox="1"/>
+          <p:nvPr/>
+        </p:nvSpPr>
+        <p:spPr>
+          <a:xfrm>
+            <a:off x="628650" y="5866168"/>
+            <a:ext cx="7743787" cy="646331"/>
+          </a:xfrm>
+          <a:prstGeom prst="rect">
+            <a:avLst/>
+          </a:prstGeom>
+          <a:noFill/>
+        </p:spPr>
+        <p:txBody>
+          <a:bodyPr wrap="none" rtlCol="0">
+            <a:spAutoFit/>
+          </a:bodyPr>
+          <a:lstStyle/>
+          <a:p>
+            <a:r>
+              <a:rPr lang="tr-TR" dirty="0" err="1"/>
+              <a:t>https</a:t>
+            </a:r>
+            <a:r>
+              <a:rPr lang="tr-TR" dirty="0"/>
+              <a:t>://</a:t>
+            </a:r>
+            <a:r>
+              <a:rPr lang="tr-TR" dirty="0" err="1"/>
+              <a:t>www.geeksforgeeks.org</a:t>
+            </a:r>
+            <a:r>
+              <a:rPr lang="tr-TR" dirty="0"/>
+              <a:t>/</a:t>
+            </a:r>
+            <a:r>
+              <a:rPr lang="tr-TR" dirty="0" err="1"/>
+              <a:t>nyquist-sampling-theorem</a:t>
+            </a:r>
+            <a:r>
+              <a:rPr lang="tr-TR" dirty="0"/>
+              <a:t>/</a:t>
+            </a:r>
+          </a:p>
+          <a:p>
+            <a:r>
+              <a:rPr lang="tr-TR" dirty="0"/>
+              <a:t>http://</a:t>
+            </a:r>
+            <a:r>
+              <a:rPr lang="tr-TR" dirty="0" err="1"/>
+              <a:t>webapps.chem.uoa.gr</a:t>
+            </a:r>
+            <a:r>
+              <a:rPr lang="tr-TR" dirty="0"/>
+              <a:t>/</a:t>
+            </a:r>
+            <a:r>
+              <a:rPr lang="tr-TR" dirty="0" err="1"/>
+              <a:t>efs</a:t>
+            </a:r>
+            <a:r>
+              <a:rPr lang="tr-TR" dirty="0"/>
+              <a:t>/</a:t>
+            </a:r>
+            <a:r>
+              <a:rPr lang="tr-TR" dirty="0" err="1"/>
+              <a:t>applets</a:t>
+            </a:r>
+            <a:r>
+              <a:rPr lang="tr-TR" dirty="0"/>
+              <a:t>/</a:t>
+            </a:r>
+            <a:r>
+              <a:rPr lang="tr-TR" dirty="0" err="1"/>
+              <a:t>AppletNyquist</a:t>
+            </a:r>
+            <a:r>
+              <a:rPr lang="tr-TR" dirty="0"/>
+              <a:t>/Appl_Nyquist2.html</a:t>
+            </a:r>
+          </a:p>
+        </p:txBody>
+      </p:sp>
+      <mc:AlternateContent xmlns:mc="http://schemas.openxmlformats.org/markup-compatibility/2006">
+        <mc:Choice xmlns:a14="http://schemas.microsoft.com/office/drawing/2010/main" Requires="a14">
+          <p:sp>
+            <p:nvSpPr>
+              <p:cNvPr id="7" name="TextBox 6">
+                <a:extLst>
+                  <a:ext uri="{FF2B5EF4-FFF2-40B4-BE49-F238E27FC236}">
+                    <a16:creationId xmlns:a16="http://schemas.microsoft.com/office/drawing/2014/main" id="{0AD69B12-00AB-33A7-4279-C2244E4A687D}"/>
+                  </a:ext>
+                </a:extLst>
+              </p:cNvPr>
+              <p:cNvSpPr txBox="1"/>
+              <p:nvPr/>
+            </p:nvSpPr>
+            <p:spPr>
+              <a:xfrm>
+                <a:off x="628650" y="4553597"/>
+                <a:ext cx="2433423" cy="923330"/>
+              </a:xfrm>
+              <a:prstGeom prst="rect">
+                <a:avLst/>
+              </a:prstGeom>
+              <a:noFill/>
+            </p:spPr>
+            <p:txBody>
+              <a:bodyPr wrap="none" rtlCol="0">
+                <a:spAutoFit/>
+              </a:bodyPr>
+              <a:lstStyle/>
+              <a:p>
+                <a:pPr/>
+                <a14:m>
+                  <m:oMathPara xmlns:m="http://schemas.openxmlformats.org/officeDocument/2006/math">
+                    <m:oMathParaPr>
+                      <m:jc m:val="left"/>
+                    </m:oMathParaPr>
+                    <m:oMath xmlns:m="http://schemas.openxmlformats.org/officeDocument/2006/math">
+                      <m:r>
+                        <a:rPr lang="tr-TR" b="0" i="1" smtClean="0">
+                          <a:latin typeface="Cambria Math" panose="02040503050406030204" pitchFamily="18" charset="0"/>
+                        </a:rPr>
+                        <m:t>𝑓𝑠</m:t>
+                      </m:r>
+                      <m:r>
+                        <a:rPr lang="tr-TR" b="0" i="1" smtClean="0">
+                          <a:latin typeface="Cambria Math" panose="02040503050406030204" pitchFamily="18" charset="0"/>
+                        </a:rPr>
+                        <m:t> ≥2 </m:t>
+                      </m:r>
+                      <m:r>
+                        <a:rPr lang="tr-TR" b="0" i="1" smtClean="0">
+                          <a:latin typeface="Cambria Math" panose="02040503050406030204" pitchFamily="18" charset="0"/>
+                          <a:ea typeface="Cambria Math" panose="02040503050406030204" pitchFamily="18" charset="0"/>
+                        </a:rPr>
+                        <m:t>𝑓𝑚</m:t>
+                      </m:r>
+                    </m:oMath>
+                  </m:oMathPara>
+                </a14:m>
+                <a:endParaRPr lang="tr-TR" dirty="0"/>
+              </a:p>
+              <a:p>
+                <a:r>
+                  <a:rPr lang="tr-TR" dirty="0" err="1"/>
+                  <a:t>fs</a:t>
+                </a:r>
+                <a:r>
+                  <a:rPr lang="tr-TR" dirty="0"/>
+                  <a:t>: </a:t>
+                </a:r>
+                <a:r>
+                  <a:rPr lang="tr-TR" dirty="0" err="1"/>
+                  <a:t>sampling</a:t>
+                </a:r>
+                <a:r>
+                  <a:rPr lang="tr-TR" dirty="0"/>
+                  <a:t> </a:t>
+                </a:r>
+                <a:r>
+                  <a:rPr lang="tr-TR" dirty="0" err="1"/>
+                  <a:t>frequency</a:t>
+                </a:r>
+                <a:endParaRPr lang="tr-TR" dirty="0"/>
+              </a:p>
+              <a:p>
+                <a:r>
+                  <a:rPr lang="tr-TR" dirty="0" err="1"/>
+                  <a:t>fm</a:t>
+                </a:r>
+                <a:r>
+                  <a:rPr lang="tr-TR" dirty="0"/>
+                  <a:t>: </a:t>
+                </a:r>
+                <a:r>
+                  <a:rPr lang="tr-TR" dirty="0" err="1"/>
+                  <a:t>max</a:t>
+                </a:r>
+                <a:r>
+                  <a:rPr lang="tr-TR" dirty="0"/>
+                  <a:t> </a:t>
+                </a:r>
+                <a:r>
+                  <a:rPr lang="tr-TR" dirty="0" err="1"/>
+                  <a:t>frequency</a:t>
+                </a:r>
+                <a:endParaRPr lang="tr-TR" dirty="0"/>
+              </a:p>
+            </p:txBody>
+          </p:sp>
+        </mc:Choice>
+        <mc:Fallback>
+          <p:sp>
+            <p:nvSpPr>
+              <p:cNvPr id="7" name="TextBox 6">
+                <a:extLst>
+                  <a:ext uri="{FF2B5EF4-FFF2-40B4-BE49-F238E27FC236}">
+                    <a16:creationId xmlns:a16="http://schemas.microsoft.com/office/drawing/2014/main" id="{0AD69B12-00AB-33A7-4279-C2244E4A687D}"/>
+                  </a:ext>
+                </a:extLst>
+              </p:cNvPr>
+              <p:cNvSpPr txBox="1">
+                <a:spLocks noRot="1" noChangeAspect="1" noMove="1" noResize="1" noEditPoints="1" noAdjustHandles="1" noChangeArrowheads="1" noChangeShapeType="1" noTextEdit="1"/>
+              </p:cNvSpPr>
+              <p:nvPr/>
+            </p:nvSpPr>
+            <p:spPr>
+              <a:xfrm>
+                <a:off x="628650" y="4553597"/>
+                <a:ext cx="2433423" cy="923330"/>
+              </a:xfrm>
+              <a:prstGeom prst="rect">
+                <a:avLst/>
+              </a:prstGeom>
+              <a:blipFill>
+                <a:blip r:embed="rId3"/>
+                <a:stretch>
+                  <a:fillRect l="-2083" r="-1563" b="-9459"/>
+                </a:stretch>
+              </a:blipFill>
+            </p:spPr>
+            <p:txBody>
+              <a:bodyPr/>
+              <a:lstStyle/>
+              <a:p>
+                <a:r>
+                  <a:rPr lang="tr-TR">
+                    <a:noFill/>
+                  </a:rPr>
+                  <a:t> </a:t>
+                </a:r>
+              </a:p>
+            </p:txBody>
+          </p:sp>
+        </mc:Fallback>
+      </mc:AlternateContent>
+      <p:pic>
+        <p:nvPicPr>
+          <p:cNvPr id="9" name="Picture 8" descr="A diagram of a graph&#10;&#10;AI-generated content may be incorrect.">
+            <a:extLst>
+              <a:ext uri="{FF2B5EF4-FFF2-40B4-BE49-F238E27FC236}">
+                <a16:creationId xmlns:a16="http://schemas.microsoft.com/office/drawing/2014/main" id="{F09DC993-45F4-A509-460C-7D2F60488701}"/>
+              </a:ext>
+            </a:extLst>
+          </p:cNvPr>
+          <p:cNvPicPr>
+            <a:picLocks noChangeAspect="1"/>
+          </p:cNvPicPr>
+          <p:nvPr/>
+        </p:nvPicPr>
+        <p:blipFill>
+          <a:blip r:embed="rId4"/>
+          <a:stretch>
+            <a:fillRect/>
+          </a:stretch>
+        </p:blipFill>
+        <p:spPr>
+          <a:xfrm>
+            <a:off x="4500543" y="1690689"/>
+            <a:ext cx="2620819" cy="2269246"/>
+          </a:xfrm>
+          <a:prstGeom prst="rect">
+            <a:avLst/>
+          </a:prstGeom>
+        </p:spPr>
+      </p:pic>
+    </p:spTree>
+    <p:extLst>
+      <p:ext uri="{BB962C8B-B14F-4D97-AF65-F5344CB8AC3E}">
+        <p14:creationId xmlns:p14="http://schemas.microsoft.com/office/powerpoint/2010/main" val="960836548"/>
+      </p:ext>
+    </p:extLst>
+  </p:cSld>
+  <p:clrMapOvr>
+    <a:masterClrMapping/>
+  </p:clrMapOvr>
+</p:sld>
+</file>
+
+<file path=ppt/slides/slide16.xml><?xml version="1.0" encoding="utf-8"?>
+<p:sld xmlns:a="http://schemas.openxmlformats.org/drawingml/2006/main" xmlns:r="http://schemas.openxmlformats.org/officeDocument/2006/relationships" xmlns:p="http://schemas.openxmlformats.org/presentationml/2006/main">
+  <p:cSld>
+    <p:spTree>
+      <p:nvGrpSpPr>
+        <p:cNvPr id="1" name=""/>
+        <p:cNvGrpSpPr/>
+        <p:nvPr/>
+      </p:nvGrpSpPr>
+      <p:grpSpPr>
+        <a:xfrm>
+          <a:off x="0" y="0"/>
+          <a:ext cx="0" cy="0"/>
+          <a:chOff x="0" y="0"/>
+          <a:chExt cx="0" cy="0"/>
+        </a:xfrm>
+      </p:grpSpPr>
+      <p:sp>
+        <p:nvSpPr>
+          <p:cNvPr id="2" name="Title 1">
+            <a:extLst>
+              <a:ext uri="{FF2B5EF4-FFF2-40B4-BE49-F238E27FC236}">
+                <a16:creationId xmlns:a16="http://schemas.microsoft.com/office/drawing/2014/main" id="{A709C3B7-6404-D539-CCA4-9B3314AF2DD6}"/>
+              </a:ext>
+            </a:extLst>
+          </p:cNvPr>
+          <p:cNvSpPr>
+            <a:spLocks noGrp="1"/>
+          </p:cNvSpPr>
+          <p:nvPr>
+            <p:ph type="title"/>
+          </p:nvPr>
+        </p:nvSpPr>
+        <p:spPr/>
+        <p:txBody>
+          <a:bodyPr/>
+          <a:lstStyle/>
+          <a:p>
+            <a:r>
+              <a:rPr lang="tr-TR" dirty="0"/>
+              <a:t>Bit Derinliği (Bit Depth)</a:t>
+            </a:r>
+          </a:p>
+        </p:txBody>
+      </p:sp>
+      <p:pic>
+        <p:nvPicPr>
+          <p:cNvPr id="5" name="Content Placeholder 4" descr="A graph with red and blue dots&#10;&#10;AI-generated content may be incorrect.">
+            <a:extLst>
+              <a:ext uri="{FF2B5EF4-FFF2-40B4-BE49-F238E27FC236}">
+                <a16:creationId xmlns:a16="http://schemas.microsoft.com/office/drawing/2014/main" id="{6AE84464-7CE4-CF5B-2AF8-92315AD535B7}"/>
+              </a:ext>
+            </a:extLst>
+          </p:cNvPr>
+          <p:cNvPicPr>
+            <a:picLocks noGrp="1" noChangeAspect="1"/>
+          </p:cNvPicPr>
+          <p:nvPr>
+            <p:ph idx="1"/>
+          </p:nvPr>
+        </p:nvPicPr>
+        <p:blipFill>
+          <a:blip r:embed="rId2"/>
+          <a:stretch>
+            <a:fillRect/>
+          </a:stretch>
+        </p:blipFill>
+        <p:spPr>
+          <a:xfrm>
+            <a:off x="628650" y="3429000"/>
+            <a:ext cx="3613707" cy="2710280"/>
+          </a:xfrm>
+        </p:spPr>
+      </p:pic>
+      <p:sp>
+        <p:nvSpPr>
+          <p:cNvPr id="6" name="TextBox 5">
+            <a:extLst>
+              <a:ext uri="{FF2B5EF4-FFF2-40B4-BE49-F238E27FC236}">
+                <a16:creationId xmlns:a16="http://schemas.microsoft.com/office/drawing/2014/main" id="{588497F4-ECF3-2826-651A-DA6E7B9082DC}"/>
+              </a:ext>
+            </a:extLst>
+          </p:cNvPr>
+          <p:cNvSpPr txBox="1"/>
+          <p:nvPr/>
+        </p:nvSpPr>
+        <p:spPr>
+          <a:xfrm>
+            <a:off x="628650" y="6222669"/>
+            <a:ext cx="4694106" cy="369332"/>
+          </a:xfrm>
+          <a:prstGeom prst="rect">
+            <a:avLst/>
+          </a:prstGeom>
+          <a:noFill/>
+        </p:spPr>
+        <p:txBody>
+          <a:bodyPr wrap="none" rtlCol="0">
+            <a:spAutoFit/>
+          </a:bodyPr>
+          <a:lstStyle/>
+          <a:p>
+            <a:r>
+              <a:rPr lang="tr-TR" dirty="0" err="1"/>
+              <a:t>https</a:t>
+            </a:r>
+            <a:r>
+              <a:rPr lang="tr-TR" dirty="0"/>
+              <a:t>://</a:t>
+            </a:r>
+            <a:r>
+              <a:rPr lang="tr-TR" dirty="0" err="1"/>
+              <a:t>en.wikipedia.org</a:t>
+            </a:r>
+            <a:r>
+              <a:rPr lang="tr-TR" dirty="0"/>
+              <a:t>/wiki/</a:t>
+            </a:r>
+            <a:r>
+              <a:rPr lang="tr-TR" dirty="0" err="1"/>
+              <a:t>Audio_bit_depth</a:t>
+            </a:r>
+            <a:endParaRPr lang="tr-TR" dirty="0"/>
+          </a:p>
+        </p:txBody>
+      </p:sp>
+      <p:sp>
+        <p:nvSpPr>
+          <p:cNvPr id="7" name="TextBox 6">
+            <a:extLst>
+              <a:ext uri="{FF2B5EF4-FFF2-40B4-BE49-F238E27FC236}">
+                <a16:creationId xmlns:a16="http://schemas.microsoft.com/office/drawing/2014/main" id="{2B4E19D4-3279-75E8-B7F9-8D84406850D5}"/>
+              </a:ext>
+            </a:extLst>
+          </p:cNvPr>
+          <p:cNvSpPr txBox="1"/>
+          <p:nvPr/>
+        </p:nvSpPr>
+        <p:spPr>
+          <a:xfrm>
+            <a:off x="628650" y="1774078"/>
+            <a:ext cx="7886700" cy="1754326"/>
+          </a:xfrm>
+          <a:prstGeom prst="rect">
+            <a:avLst/>
+          </a:prstGeom>
+          <a:noFill/>
+        </p:spPr>
+        <p:txBody>
+          <a:bodyPr wrap="square" rtlCol="0">
+            <a:spAutoFit/>
+          </a:bodyPr>
+          <a:lstStyle/>
+          <a:p>
+            <a:pPr marL="285750" indent="-285750">
+              <a:buFont typeface="Arial" panose="020B0604020202020204" pitchFamily="34" charset="0"/>
+              <a:buChar char="•"/>
+            </a:pPr>
+            <a:r>
+              <a:rPr lang="tr-TR" dirty="0" err="1"/>
+              <a:t>Audio</a:t>
+            </a:r>
+            <a:r>
+              <a:rPr lang="tr-TR" dirty="0"/>
+              <a:t> CD'lerde 44100 Hz </a:t>
+            </a:r>
+            <a:r>
+              <a:rPr lang="tr-TR" dirty="0" err="1"/>
+              <a:t>sampling</a:t>
+            </a:r>
+            <a:r>
+              <a:rPr lang="tr-TR" dirty="0"/>
+              <a:t> rate ve 16 bitlik bit </a:t>
+            </a:r>
+            <a:r>
+              <a:rPr lang="tr-TR" dirty="0" err="1"/>
+              <a:t>depth</a:t>
+            </a:r>
+            <a:r>
+              <a:rPr lang="tr-TR" dirty="0"/>
+              <a:t> ile müzik kodlanır.</a:t>
+            </a:r>
+          </a:p>
+          <a:p>
+            <a:pPr marL="285750" indent="-285750">
+              <a:buFont typeface="Arial" panose="020B0604020202020204" pitchFamily="34" charset="0"/>
+              <a:buChar char="•"/>
+            </a:pPr>
+            <a:r>
+              <a:rPr lang="tr-TR" dirty="0"/>
+              <a:t>Günümüzde kayıt stüdyolarında 44.1, 48, 96, 192 kHz gibi </a:t>
+            </a:r>
+            <a:r>
+              <a:rPr lang="tr-TR" dirty="0" err="1"/>
+              <a:t>sampling</a:t>
+            </a:r>
+            <a:r>
+              <a:rPr lang="tr-TR" dirty="0"/>
+              <a:t> </a:t>
+            </a:r>
+            <a:r>
+              <a:rPr lang="tr-TR" dirty="0" err="1"/>
+              <a:t>rate'ler</a:t>
+            </a:r>
+            <a:r>
+              <a:rPr lang="tr-TR" dirty="0"/>
+              <a:t> ve 16, 24, 32 bitlik derinlikler kullanılabilmektedir.</a:t>
+            </a:r>
+          </a:p>
+          <a:p>
+            <a:pPr marL="285750" indent="-285750">
+              <a:buFont typeface="Arial" panose="020B0604020202020204" pitchFamily="34" charset="0"/>
+              <a:buChar char="•"/>
+            </a:pPr>
+            <a:r>
+              <a:rPr lang="tr-TR" dirty="0"/>
+              <a:t>16-bit: 65.536; 24-bit: 16.777.216; 32-bit: 4.294.967.296 </a:t>
+            </a:r>
+            <a:r>
+              <a:rPr lang="tr-TR" dirty="0" err="1"/>
+              <a:t>amplitude</a:t>
+            </a:r>
+            <a:r>
+              <a:rPr lang="tr-TR" dirty="0"/>
+              <a:t> değeri.</a:t>
+            </a:r>
+          </a:p>
+          <a:p>
+            <a:pPr marL="285750" indent="-285750">
+              <a:buFont typeface="Arial" panose="020B0604020202020204" pitchFamily="34" charset="0"/>
+              <a:buChar char="•"/>
+            </a:pPr>
+            <a:endParaRPr lang="tr-TR" dirty="0"/>
+          </a:p>
+        </p:txBody>
+      </p:sp>
+    </p:spTree>
+    <p:extLst>
+      <p:ext uri="{BB962C8B-B14F-4D97-AF65-F5344CB8AC3E}">
+        <p14:creationId xmlns:p14="http://schemas.microsoft.com/office/powerpoint/2010/main" val="3920015719"/>
+      </p:ext>
+    </p:extLst>
+  </p:cSld>
+  <p:clrMapOvr>
+    <a:masterClrMapping/>
+  </p:clrMapOvr>
+</p:sld>
+</file>
+
 <file path=ppt/slides/slide2.xml><?xml version="1.0" encoding="utf-8"?>
 <p:sld xmlns:a="http://schemas.openxmlformats.org/drawingml/2006/main" xmlns:r="http://schemas.openxmlformats.org/officeDocument/2006/relationships" xmlns:p="http://schemas.openxmlformats.org/presentationml/2006/main">
   <p:cSld>
@@ -3592,8 +5169,8 @@
           </a:p>
         </p:txBody>
       </p:sp>
-      <mc:AlternateContent xmlns:mc="http://schemas.openxmlformats.org/markup-compatibility/2006">
-        <mc:Choice xmlns:a14="http://schemas.microsoft.com/office/drawing/2010/main" Requires="a14">
+      <mc:AlternateContent xmlns:mc="http://schemas.openxmlformats.org/markup-compatibility/2006" xmlns:a14="http://schemas.microsoft.com/office/drawing/2010/main">
+        <mc:Choice Requires="a14">
           <p:sp>
             <p:nvSpPr>
               <p:cNvPr id="3" name="Content Placeholder 2">
@@ -3877,7 +5454,7 @@
             </p:txBody>
           </p:sp>
         </mc:Choice>
-        <mc:Fallback>
+        <mc:Fallback xmlns="">
           <p:sp>
             <p:nvSpPr>
               <p:cNvPr id="3" name="Content Placeholder 2">
@@ -4274,6 +5851,454 @@
     <p:extLst>
       <p:ext uri="{BB962C8B-B14F-4D97-AF65-F5344CB8AC3E}">
         <p14:creationId xmlns:p14="http://schemas.microsoft.com/office/powerpoint/2010/main" val="3862292591"/>
+      </p:ext>
+    </p:extLst>
+  </p:cSld>
+  <p:clrMapOvr>
+    <a:masterClrMapping/>
+  </p:clrMapOvr>
+</p:sld>
+</file>
+
+<file path=ppt/slides/slide7.xml><?xml version="1.0" encoding="utf-8"?>
+<p:sld xmlns:a="http://schemas.openxmlformats.org/drawingml/2006/main" xmlns:r="http://schemas.openxmlformats.org/officeDocument/2006/relationships" xmlns:p="http://schemas.openxmlformats.org/presentationml/2006/main">
+  <p:cSld>
+    <p:spTree>
+      <p:nvGrpSpPr>
+        <p:cNvPr id="1" name="">
+          <a:extLst>
+            <a:ext uri="{FF2B5EF4-FFF2-40B4-BE49-F238E27FC236}">
+              <a16:creationId xmlns:a16="http://schemas.microsoft.com/office/drawing/2014/main" id="{54C84CCB-E62D-3CC1-C7AC-D95C1E16E782}"/>
+            </a:ext>
+          </a:extLst>
+        </p:cNvPr>
+        <p:cNvGrpSpPr/>
+        <p:nvPr/>
+      </p:nvGrpSpPr>
+      <p:grpSpPr>
+        <a:xfrm>
+          <a:off x="0" y="0"/>
+          <a:ext cx="0" cy="0"/>
+          <a:chOff x="0" y="0"/>
+          <a:chExt cx="0" cy="0"/>
+        </a:xfrm>
+      </p:grpSpPr>
+      <p:sp>
+        <p:nvSpPr>
+          <p:cNvPr id="2" name="Title 1">
+            <a:extLst>
+              <a:ext uri="{FF2B5EF4-FFF2-40B4-BE49-F238E27FC236}">
+                <a16:creationId xmlns:a16="http://schemas.microsoft.com/office/drawing/2014/main" id="{943AB165-F95C-79CD-EFA6-9B6BA4B9A053}"/>
+              </a:ext>
+            </a:extLst>
+          </p:cNvPr>
+          <p:cNvSpPr>
+            <a:spLocks noGrp="1"/>
+          </p:cNvSpPr>
+          <p:nvPr>
+            <p:ph type="title"/>
+          </p:nvPr>
+        </p:nvSpPr>
+        <p:spPr/>
+        <p:txBody>
+          <a:bodyPr/>
+          <a:lstStyle/>
+          <a:p>
+            <a:r>
+              <a:rPr lang="tr-TR" dirty="0"/>
+              <a:t>Ses Dalgası</a:t>
+            </a:r>
+          </a:p>
+        </p:txBody>
+      </p:sp>
+      <p:sp>
+        <p:nvSpPr>
+          <p:cNvPr id="6" name="TextBox 5">
+            <a:extLst>
+              <a:ext uri="{FF2B5EF4-FFF2-40B4-BE49-F238E27FC236}">
+                <a16:creationId xmlns:a16="http://schemas.microsoft.com/office/drawing/2014/main" id="{E840F6E5-D18B-DEF1-F7A0-66B84FAB8D2B}"/>
+              </a:ext>
+            </a:extLst>
+          </p:cNvPr>
+          <p:cNvSpPr txBox="1"/>
+          <p:nvPr/>
+        </p:nvSpPr>
+        <p:spPr>
+          <a:xfrm>
+            <a:off x="623714" y="5611091"/>
+            <a:ext cx="6869876" cy="369332"/>
+          </a:xfrm>
+          <a:prstGeom prst="rect">
+            <a:avLst/>
+          </a:prstGeom>
+          <a:noFill/>
+        </p:spPr>
+        <p:txBody>
+          <a:bodyPr wrap="square" rtlCol="0">
+            <a:spAutoFit/>
+          </a:bodyPr>
+          <a:lstStyle/>
+          <a:p>
+            <a:r>
+              <a:rPr lang="tr-TR" dirty="0" err="1"/>
+              <a:t>https</a:t>
+            </a:r>
+            <a:r>
+              <a:rPr lang="tr-TR" dirty="0"/>
+              <a:t>://</a:t>
+            </a:r>
+            <a:r>
+              <a:rPr lang="tr-TR" dirty="0" err="1"/>
+              <a:t>soundcertified.com</a:t>
+            </a:r>
+            <a:r>
+              <a:rPr lang="tr-TR" dirty="0"/>
+              <a:t>/how-do-</a:t>
+            </a:r>
+            <a:r>
+              <a:rPr lang="tr-TR" dirty="0" err="1"/>
+              <a:t>speakers</a:t>
+            </a:r>
+            <a:r>
+              <a:rPr lang="tr-TR" dirty="0"/>
+              <a:t>-</a:t>
+            </a:r>
+            <a:r>
+              <a:rPr lang="tr-TR" dirty="0" err="1"/>
+              <a:t>work</a:t>
+            </a:r>
+            <a:r>
+              <a:rPr lang="tr-TR" dirty="0"/>
+              <a:t>/</a:t>
+            </a:r>
+          </a:p>
+        </p:txBody>
+      </p:sp>
+      <p:pic>
+        <p:nvPicPr>
+          <p:cNvPr id="8" name="Content Placeholder 7" descr="A diagram of a speaker&#10;&#10;AI-generated content may be incorrect.">
+            <a:extLst>
+              <a:ext uri="{FF2B5EF4-FFF2-40B4-BE49-F238E27FC236}">
+                <a16:creationId xmlns:a16="http://schemas.microsoft.com/office/drawing/2014/main" id="{19C52DCC-51FB-9423-2F5C-FCA000D74C4A}"/>
+              </a:ext>
+            </a:extLst>
+          </p:cNvPr>
+          <p:cNvPicPr>
+            <a:picLocks noGrp="1" noChangeAspect="1"/>
+          </p:cNvPicPr>
+          <p:nvPr>
+            <p:ph idx="1"/>
+          </p:nvPr>
+        </p:nvPicPr>
+        <p:blipFill>
+          <a:blip r:embed="rId2"/>
+          <a:stretch>
+            <a:fillRect/>
+          </a:stretch>
+        </p:blipFill>
+        <p:spPr>
+          <a:xfrm>
+            <a:off x="689028" y="2095500"/>
+            <a:ext cx="5003800" cy="2667000"/>
+          </a:xfrm>
+        </p:spPr>
+      </p:pic>
+    </p:spTree>
+    <p:extLst>
+      <p:ext uri="{BB962C8B-B14F-4D97-AF65-F5344CB8AC3E}">
+        <p14:creationId xmlns:p14="http://schemas.microsoft.com/office/powerpoint/2010/main" val="2678035120"/>
+      </p:ext>
+    </p:extLst>
+  </p:cSld>
+  <p:clrMapOvr>
+    <a:masterClrMapping/>
+  </p:clrMapOvr>
+</p:sld>
+</file>
+
+<file path=ppt/slides/slide8.xml><?xml version="1.0" encoding="utf-8"?>
+<p:sld xmlns:a="http://schemas.openxmlformats.org/drawingml/2006/main" xmlns:r="http://schemas.openxmlformats.org/officeDocument/2006/relationships" xmlns:p="http://schemas.openxmlformats.org/presentationml/2006/main">
+  <p:cSld>
+    <p:spTree>
+      <p:nvGrpSpPr>
+        <p:cNvPr id="1" name=""/>
+        <p:cNvGrpSpPr/>
+        <p:nvPr/>
+      </p:nvGrpSpPr>
+      <p:grpSpPr>
+        <a:xfrm>
+          <a:off x="0" y="0"/>
+          <a:ext cx="0" cy="0"/>
+          <a:chOff x="0" y="0"/>
+          <a:chExt cx="0" cy="0"/>
+        </a:xfrm>
+      </p:grpSpPr>
+      <p:sp>
+        <p:nvSpPr>
+          <p:cNvPr id="2" name="Title 1">
+            <a:extLst>
+              <a:ext uri="{FF2B5EF4-FFF2-40B4-BE49-F238E27FC236}">
+                <a16:creationId xmlns:a16="http://schemas.microsoft.com/office/drawing/2014/main" id="{3D239D26-E052-E17C-02B0-431764FD466D}"/>
+              </a:ext>
+            </a:extLst>
+          </p:cNvPr>
+          <p:cNvSpPr>
+            <a:spLocks noGrp="1"/>
+          </p:cNvSpPr>
+          <p:nvPr>
+            <p:ph type="title"/>
+          </p:nvPr>
+        </p:nvSpPr>
+        <p:spPr/>
+        <p:txBody>
+          <a:bodyPr/>
+          <a:lstStyle/>
+          <a:p>
+            <a:r>
+              <a:rPr lang="tr-TR" dirty="0"/>
+              <a:t>Ses Dalgası</a:t>
+            </a:r>
+          </a:p>
+        </p:txBody>
+      </p:sp>
+      <p:pic>
+        <p:nvPicPr>
+          <p:cNvPr id="5" name="Content Placeholder 4" descr="A black background with red arrows and lines&#10;&#10;AI-generated content may be incorrect.">
+            <a:extLst>
+              <a:ext uri="{FF2B5EF4-FFF2-40B4-BE49-F238E27FC236}">
+                <a16:creationId xmlns:a16="http://schemas.microsoft.com/office/drawing/2014/main" id="{65EFCEB2-65D4-4350-0F3D-40AB8853401B}"/>
+              </a:ext>
+            </a:extLst>
+          </p:cNvPr>
+          <p:cNvPicPr>
+            <a:picLocks noGrp="1" noChangeAspect="1"/>
+          </p:cNvPicPr>
+          <p:nvPr>
+            <p:ph idx="1"/>
+          </p:nvPr>
+        </p:nvPicPr>
+        <p:blipFill>
+          <a:blip r:embed="rId2"/>
+          <a:stretch>
+            <a:fillRect/>
+          </a:stretch>
+        </p:blipFill>
+        <p:spPr>
+          <a:xfrm>
+            <a:off x="623714" y="1546555"/>
+            <a:ext cx="3948286" cy="3162011"/>
+          </a:xfrm>
+        </p:spPr>
+      </p:pic>
+      <p:sp>
+        <p:nvSpPr>
+          <p:cNvPr id="6" name="TextBox 5">
+            <a:extLst>
+              <a:ext uri="{FF2B5EF4-FFF2-40B4-BE49-F238E27FC236}">
+                <a16:creationId xmlns:a16="http://schemas.microsoft.com/office/drawing/2014/main" id="{0E7D8365-E434-7733-7712-34B68CEACFDC}"/>
+              </a:ext>
+            </a:extLst>
+          </p:cNvPr>
+          <p:cNvSpPr txBox="1"/>
+          <p:nvPr/>
+        </p:nvSpPr>
+        <p:spPr>
+          <a:xfrm>
+            <a:off x="623714" y="5611091"/>
+            <a:ext cx="6869876" cy="646331"/>
+          </a:xfrm>
+          <a:prstGeom prst="rect">
+            <a:avLst/>
+          </a:prstGeom>
+          <a:noFill/>
+        </p:spPr>
+        <p:txBody>
+          <a:bodyPr wrap="square" rtlCol="0">
+            <a:spAutoFit/>
+          </a:bodyPr>
+          <a:lstStyle/>
+          <a:p>
+            <a:r>
+              <a:rPr lang="tr-TR" dirty="0" err="1"/>
+              <a:t>https</a:t>
+            </a:r>
+            <a:r>
+              <a:rPr lang="tr-TR" dirty="0"/>
+              <a:t>://</a:t>
+            </a:r>
+            <a:r>
+              <a:rPr lang="tr-TR" dirty="0" err="1"/>
+              <a:t>ateliercrescendo.ac</a:t>
+            </a:r>
+            <a:r>
+              <a:rPr lang="tr-TR" dirty="0"/>
+              <a:t>/fundamental-concepts-of-sound-sound-waves-amplitude-wavelength-frequency/</a:t>
+            </a:r>
+          </a:p>
+        </p:txBody>
+      </p:sp>
+    </p:spTree>
+    <p:extLst>
+      <p:ext uri="{BB962C8B-B14F-4D97-AF65-F5344CB8AC3E}">
+        <p14:creationId xmlns:p14="http://schemas.microsoft.com/office/powerpoint/2010/main" val="3396876484"/>
+      </p:ext>
+    </p:extLst>
+  </p:cSld>
+  <p:clrMapOvr>
+    <a:masterClrMapping/>
+  </p:clrMapOvr>
+</p:sld>
+</file>
+
+<file path=ppt/slides/slide9.xml><?xml version="1.0" encoding="utf-8"?>
+<p:sld xmlns:a="http://schemas.openxmlformats.org/drawingml/2006/main" xmlns:r="http://schemas.openxmlformats.org/officeDocument/2006/relationships" xmlns:p="http://schemas.openxmlformats.org/presentationml/2006/main">
+  <p:cSld>
+    <p:spTree>
+      <p:nvGrpSpPr>
+        <p:cNvPr id="1" name=""/>
+        <p:cNvGrpSpPr/>
+        <p:nvPr/>
+      </p:nvGrpSpPr>
+      <p:grpSpPr>
+        <a:xfrm>
+          <a:off x="0" y="0"/>
+          <a:ext cx="0" cy="0"/>
+          <a:chOff x="0" y="0"/>
+          <a:chExt cx="0" cy="0"/>
+        </a:xfrm>
+      </p:grpSpPr>
+      <p:sp>
+        <p:nvSpPr>
+          <p:cNvPr id="2" name="Title 1">
+            <a:extLst>
+              <a:ext uri="{FF2B5EF4-FFF2-40B4-BE49-F238E27FC236}">
+                <a16:creationId xmlns:a16="http://schemas.microsoft.com/office/drawing/2014/main" id="{054C3524-ECD3-F76F-64B4-7C1865B1A515}"/>
+              </a:ext>
+            </a:extLst>
+          </p:cNvPr>
+          <p:cNvSpPr>
+            <a:spLocks noGrp="1"/>
+          </p:cNvSpPr>
+          <p:nvPr>
+            <p:ph type="title"/>
+          </p:nvPr>
+        </p:nvSpPr>
+        <p:spPr/>
+        <p:txBody>
+          <a:bodyPr/>
+          <a:lstStyle/>
+          <a:p>
+            <a:r>
+              <a:rPr lang="tr-TR" dirty="0"/>
+              <a:t>Mono ve Stereo</a:t>
+            </a:r>
+          </a:p>
+        </p:txBody>
+      </p:sp>
+      <p:pic>
+        <p:nvPicPr>
+          <p:cNvPr id="5" name="Content Placeholder 4" descr="A diagram of a channel&#10;&#10;AI-generated content may be incorrect.">
+            <a:extLst>
+              <a:ext uri="{FF2B5EF4-FFF2-40B4-BE49-F238E27FC236}">
+                <a16:creationId xmlns:a16="http://schemas.microsoft.com/office/drawing/2014/main" id="{BE90C250-FF50-1BDB-B1B9-11789CBB543C}"/>
+              </a:ext>
+            </a:extLst>
+          </p:cNvPr>
+          <p:cNvPicPr>
+            <a:picLocks noGrp="1" noChangeAspect="1"/>
+          </p:cNvPicPr>
+          <p:nvPr>
+            <p:ph idx="1"/>
+          </p:nvPr>
+        </p:nvPicPr>
+        <p:blipFill>
+          <a:blip r:embed="rId2"/>
+          <a:stretch>
+            <a:fillRect/>
+          </a:stretch>
+        </p:blipFill>
+        <p:spPr>
+          <a:xfrm>
+            <a:off x="628650" y="1253331"/>
+            <a:ext cx="6527007" cy="4351338"/>
+          </a:xfrm>
+        </p:spPr>
+      </p:pic>
+      <p:sp>
+        <p:nvSpPr>
+          <p:cNvPr id="6" name="TextBox 5">
+            <a:extLst>
+              <a:ext uri="{FF2B5EF4-FFF2-40B4-BE49-F238E27FC236}">
+                <a16:creationId xmlns:a16="http://schemas.microsoft.com/office/drawing/2014/main" id="{57D25806-C32E-BB7E-5DF1-4CBA21AF07FC}"/>
+              </a:ext>
+            </a:extLst>
+          </p:cNvPr>
+          <p:cNvSpPr txBox="1"/>
+          <p:nvPr/>
+        </p:nvSpPr>
+        <p:spPr>
+          <a:xfrm>
+            <a:off x="628650" y="5934135"/>
+            <a:ext cx="7464384" cy="646331"/>
+          </a:xfrm>
+          <a:prstGeom prst="rect">
+            <a:avLst/>
+          </a:prstGeom>
+          <a:noFill/>
+        </p:spPr>
+        <p:txBody>
+          <a:bodyPr wrap="square" rtlCol="0">
+            <a:spAutoFit/>
+          </a:bodyPr>
+          <a:lstStyle/>
+          <a:p>
+            <a:r>
+              <a:rPr lang="tr-TR" dirty="0" err="1"/>
+              <a:t>https</a:t>
+            </a:r>
+            <a:r>
+              <a:rPr lang="tr-TR" dirty="0"/>
+              <a:t>://</a:t>
+            </a:r>
+            <a:r>
+              <a:rPr lang="tr-TR" dirty="0" err="1"/>
+              <a:t>mynewmicrophone.com</a:t>
+            </a:r>
+            <a:r>
+              <a:rPr lang="tr-TR" dirty="0"/>
+              <a:t>/is-stereo-</a:t>
+            </a:r>
+            <a:r>
+              <a:rPr lang="tr-TR" dirty="0" err="1"/>
+              <a:t>or</a:t>
+            </a:r>
+            <a:r>
+              <a:rPr lang="tr-TR" dirty="0"/>
+              <a:t>-mono-</a:t>
+            </a:r>
+            <a:r>
+              <a:rPr lang="tr-TR" dirty="0" err="1"/>
+              <a:t>audio</a:t>
+            </a:r>
+            <a:r>
+              <a:rPr lang="tr-TR" dirty="0"/>
+              <a:t>-</a:t>
+            </a:r>
+            <a:r>
+              <a:rPr lang="tr-TR" dirty="0" err="1"/>
+              <a:t>better-applications-for-both</a:t>
+            </a:r>
+            <a:r>
+              <a:rPr lang="tr-TR" dirty="0"/>
+              <a:t>/</a:t>
+            </a:r>
+          </a:p>
+        </p:txBody>
+      </p:sp>
+    </p:spTree>
+    <p:extLst>
+      <p:ext uri="{BB962C8B-B14F-4D97-AF65-F5344CB8AC3E}">
+        <p14:creationId xmlns:p14="http://schemas.microsoft.com/office/powerpoint/2010/main" val="1300669028"/>
       </p:ext>
     </p:extLst>
   </p:cSld>
